--- a/Presentation2.pptx
+++ b/Presentation2.pptx
@@ -7,6 +7,7 @@
   <p:sldIdLst>
     <p:sldId id="256" r:id="rId2"/>
     <p:sldId id="257" r:id="rId3"/>
+    <p:sldId id="258" r:id="rId4"/>
   </p:sldIdLst>
   <p:sldSz cx="12192000" cy="6858000"/>
   <p:notesSz cx="6858000" cy="9144000"/>
@@ -105,6 +106,11 @@
       </a:defRPr>
     </a:lvl9pPr>
   </p:defaultTextStyle>
+  <p:extLst>
+    <p:ext uri="{EFAFB233-063F-42B5-8137-9DF3F51BA10A}">
+      <p15:sldGuideLst xmlns:p15="http://schemas.microsoft.com/office/powerpoint/2012/main"/>
+    </p:ext>
+  </p:extLst>
 </p:presentation>
 </file>
 
@@ -239,7 +245,7 @@
           <a:p>
             <a:fld id="{F479C554-C567-4F4D-9CB7-1422F0F61F0C}" type="datetimeFigureOut">
               <a:rPr lang="en-US" smtClean="0"/>
-              <a:t>3/8/2020</a:t>
+              <a:t>3/29/2020</a:t>
             </a:fld>
             <a:endParaRPr lang="en-US"/>
           </a:p>
@@ -409,7 +415,7 @@
           <a:p>
             <a:fld id="{F479C554-C567-4F4D-9CB7-1422F0F61F0C}" type="datetimeFigureOut">
               <a:rPr lang="en-US" smtClean="0"/>
-              <a:t>3/8/2020</a:t>
+              <a:t>3/29/2020</a:t>
             </a:fld>
             <a:endParaRPr lang="en-US"/>
           </a:p>
@@ -589,7 +595,7 @@
           <a:p>
             <a:fld id="{F479C554-C567-4F4D-9CB7-1422F0F61F0C}" type="datetimeFigureOut">
               <a:rPr lang="en-US" smtClean="0"/>
-              <a:t>3/8/2020</a:t>
+              <a:t>3/29/2020</a:t>
             </a:fld>
             <a:endParaRPr lang="en-US"/>
           </a:p>
@@ -759,7 +765,7 @@
           <a:p>
             <a:fld id="{F479C554-C567-4F4D-9CB7-1422F0F61F0C}" type="datetimeFigureOut">
               <a:rPr lang="en-US" smtClean="0"/>
-              <a:t>3/8/2020</a:t>
+              <a:t>3/29/2020</a:t>
             </a:fld>
             <a:endParaRPr lang="en-US"/>
           </a:p>
@@ -1005,7 +1011,7 @@
           <a:p>
             <a:fld id="{F479C554-C567-4F4D-9CB7-1422F0F61F0C}" type="datetimeFigureOut">
               <a:rPr lang="en-US" smtClean="0"/>
-              <a:t>3/8/2020</a:t>
+              <a:t>3/29/2020</a:t>
             </a:fld>
             <a:endParaRPr lang="en-US"/>
           </a:p>
@@ -1237,7 +1243,7 @@
           <a:p>
             <a:fld id="{F479C554-C567-4F4D-9CB7-1422F0F61F0C}" type="datetimeFigureOut">
               <a:rPr lang="en-US" smtClean="0"/>
-              <a:t>3/8/2020</a:t>
+              <a:t>3/29/2020</a:t>
             </a:fld>
             <a:endParaRPr lang="en-US"/>
           </a:p>
@@ -1604,7 +1610,7 @@
           <a:p>
             <a:fld id="{F479C554-C567-4F4D-9CB7-1422F0F61F0C}" type="datetimeFigureOut">
               <a:rPr lang="en-US" smtClean="0"/>
-              <a:t>3/8/2020</a:t>
+              <a:t>3/29/2020</a:t>
             </a:fld>
             <a:endParaRPr lang="en-US"/>
           </a:p>
@@ -1722,7 +1728,7 @@
           <a:p>
             <a:fld id="{F479C554-C567-4F4D-9CB7-1422F0F61F0C}" type="datetimeFigureOut">
               <a:rPr lang="en-US" smtClean="0"/>
-              <a:t>3/8/2020</a:t>
+              <a:t>3/29/2020</a:t>
             </a:fld>
             <a:endParaRPr lang="en-US"/>
           </a:p>
@@ -1817,7 +1823,7 @@
           <a:p>
             <a:fld id="{F479C554-C567-4F4D-9CB7-1422F0F61F0C}" type="datetimeFigureOut">
               <a:rPr lang="en-US" smtClean="0"/>
-              <a:t>3/8/2020</a:t>
+              <a:t>3/29/2020</a:t>
             </a:fld>
             <a:endParaRPr lang="en-US"/>
           </a:p>
@@ -2094,7 +2100,7 @@
           <a:p>
             <a:fld id="{F479C554-C567-4F4D-9CB7-1422F0F61F0C}" type="datetimeFigureOut">
               <a:rPr lang="en-US" smtClean="0"/>
-              <a:t>3/8/2020</a:t>
+              <a:t>3/29/2020</a:t>
             </a:fld>
             <a:endParaRPr lang="en-US"/>
           </a:p>
@@ -2347,7 +2353,7 @@
           <a:p>
             <a:fld id="{F479C554-C567-4F4D-9CB7-1422F0F61F0C}" type="datetimeFigureOut">
               <a:rPr lang="en-US" smtClean="0"/>
-              <a:t>3/8/2020</a:t>
+              <a:t>3/29/2020</a:t>
             </a:fld>
             <a:endParaRPr lang="en-US"/>
           </a:p>
@@ -2560,7 +2566,7 @@
           <a:p>
             <a:fld id="{F479C554-C567-4F4D-9CB7-1422F0F61F0C}" type="datetimeFigureOut">
               <a:rPr lang="en-US" smtClean="0"/>
-              <a:t>3/8/2020</a:t>
+              <a:t>3/29/2020</a:t>
             </a:fld>
             <a:endParaRPr lang="en-US"/>
           </a:p>
@@ -4202,6 +4208,1510 @@
     <p:extLst>
       <p:ext uri="{BB962C8B-B14F-4D97-AF65-F5344CB8AC3E}">
         <p14:creationId xmlns:p14="http://schemas.microsoft.com/office/powerpoint/2010/main" val="647853480"/>
+      </p:ext>
+    </p:extLst>
+  </p:cSld>
+  <p:clrMapOvr>
+    <a:masterClrMapping/>
+  </p:clrMapOvr>
+</p:sld>
+</file>
+
+<file path=ppt/slides/slide3.xml><?xml version="1.0" encoding="utf-8"?>
+<p:sld xmlns:a="http://schemas.openxmlformats.org/drawingml/2006/main" xmlns:r="http://schemas.openxmlformats.org/officeDocument/2006/relationships" xmlns:p="http://schemas.openxmlformats.org/presentationml/2006/main">
+  <p:cSld>
+    <p:spTree>
+      <p:nvGrpSpPr>
+        <p:cNvPr id="1" name=""/>
+        <p:cNvGrpSpPr/>
+        <p:nvPr/>
+      </p:nvGrpSpPr>
+      <p:grpSpPr>
+        <a:xfrm>
+          <a:off x="0" y="0"/>
+          <a:ext cx="0" cy="0"/>
+          <a:chOff x="0" y="0"/>
+          <a:chExt cx="0" cy="0"/>
+        </a:xfrm>
+      </p:grpSpPr>
+      <p:sp>
+        <p:nvSpPr>
+          <p:cNvPr id="5" name="Rectangle 4"/>
+          <p:cNvSpPr/>
+          <p:nvPr/>
+        </p:nvSpPr>
+        <p:spPr>
+          <a:xfrm>
+            <a:off x="9666948" y="2654891"/>
+            <a:ext cx="2381504" cy="234896"/>
+          </a:xfrm>
+          <a:prstGeom prst="rect">
+            <a:avLst/>
+          </a:prstGeom>
+          <a:solidFill>
+            <a:schemeClr val="bg1">
+              <a:lumMod val="85000"/>
+            </a:schemeClr>
+          </a:solidFill>
+        </p:spPr>
+        <p:style>
+          <a:lnRef idx="2">
+            <a:schemeClr val="accent1">
+              <a:shade val="50000"/>
+            </a:schemeClr>
+          </a:lnRef>
+          <a:fillRef idx="1">
+            <a:schemeClr val="accent1"/>
+          </a:fillRef>
+          <a:effectRef idx="0">
+            <a:schemeClr val="accent1"/>
+          </a:effectRef>
+          <a:fontRef idx="minor">
+            <a:schemeClr val="lt1"/>
+          </a:fontRef>
+        </p:style>
+        <p:txBody>
+          <a:bodyPr rtlCol="0" anchor="ctr"/>
+          <a:lstStyle/>
+          <a:p>
+            <a:pPr algn="ctr"/>
+            <a:r>
+              <a:rPr lang="en-US" dirty="0" smtClean="0">
+                <a:solidFill>
+                  <a:schemeClr val="tx1"/>
+                </a:solidFill>
+              </a:rPr>
+              <a:t>RPI</a:t>
+            </a:r>
+            <a:endParaRPr lang="en-US" dirty="0">
+              <a:solidFill>
+                <a:schemeClr val="tx1"/>
+              </a:solidFill>
+            </a:endParaRPr>
+          </a:p>
+        </p:txBody>
+      </p:sp>
+      <p:sp>
+        <p:nvSpPr>
+          <p:cNvPr id="6" name="Rectangle 5"/>
+          <p:cNvSpPr/>
+          <p:nvPr/>
+        </p:nvSpPr>
+        <p:spPr>
+          <a:xfrm>
+            <a:off x="191008" y="129856"/>
+            <a:ext cx="2381504" cy="287320"/>
+          </a:xfrm>
+          <a:prstGeom prst="rect">
+            <a:avLst/>
+          </a:prstGeom>
+          <a:solidFill>
+            <a:schemeClr val="bg1">
+              <a:lumMod val="85000"/>
+            </a:schemeClr>
+          </a:solidFill>
+        </p:spPr>
+        <p:style>
+          <a:lnRef idx="2">
+            <a:schemeClr val="accent1">
+              <a:shade val="50000"/>
+            </a:schemeClr>
+          </a:lnRef>
+          <a:fillRef idx="1">
+            <a:schemeClr val="accent1"/>
+          </a:fillRef>
+          <a:effectRef idx="0">
+            <a:schemeClr val="accent1"/>
+          </a:effectRef>
+          <a:fontRef idx="minor">
+            <a:schemeClr val="lt1"/>
+          </a:fontRef>
+        </p:style>
+        <p:txBody>
+          <a:bodyPr rtlCol="0" anchor="ctr"/>
+          <a:lstStyle/>
+          <a:p>
+            <a:pPr algn="ctr"/>
+            <a:r>
+              <a:rPr lang="en-US" dirty="0" smtClean="0">
+                <a:solidFill>
+                  <a:schemeClr val="tx1"/>
+                </a:solidFill>
+              </a:rPr>
+              <a:t>Race Time Scraper</a:t>
+            </a:r>
+            <a:endParaRPr lang="en-US" dirty="0">
+              <a:solidFill>
+                <a:schemeClr val="tx1"/>
+              </a:solidFill>
+            </a:endParaRPr>
+          </a:p>
+        </p:txBody>
+      </p:sp>
+      <p:sp>
+        <p:nvSpPr>
+          <p:cNvPr id="7" name="Rectangle 6"/>
+          <p:cNvSpPr/>
+          <p:nvPr/>
+        </p:nvSpPr>
+        <p:spPr>
+          <a:xfrm>
+            <a:off x="184658" y="2586883"/>
+            <a:ext cx="2381504" cy="313002"/>
+          </a:xfrm>
+          <a:prstGeom prst="rect">
+            <a:avLst/>
+          </a:prstGeom>
+          <a:solidFill>
+            <a:schemeClr val="bg1">
+              <a:lumMod val="85000"/>
+            </a:schemeClr>
+          </a:solidFill>
+        </p:spPr>
+        <p:style>
+          <a:lnRef idx="2">
+            <a:schemeClr val="accent1">
+              <a:shade val="50000"/>
+            </a:schemeClr>
+          </a:lnRef>
+          <a:fillRef idx="1">
+            <a:schemeClr val="accent1"/>
+          </a:fillRef>
+          <a:effectRef idx="0">
+            <a:schemeClr val="accent1"/>
+          </a:effectRef>
+          <a:fontRef idx="minor">
+            <a:schemeClr val="lt1"/>
+          </a:fontRef>
+        </p:style>
+        <p:txBody>
+          <a:bodyPr rtlCol="0" anchor="ctr"/>
+          <a:lstStyle/>
+          <a:p>
+            <a:pPr algn="ctr"/>
+            <a:r>
+              <a:rPr lang="en-US" dirty="0" smtClean="0">
+                <a:solidFill>
+                  <a:schemeClr val="tx1"/>
+                </a:solidFill>
+              </a:rPr>
+              <a:t>Team Commands</a:t>
+            </a:r>
+            <a:endParaRPr lang="en-US" dirty="0">
+              <a:solidFill>
+                <a:schemeClr val="tx1"/>
+              </a:solidFill>
+            </a:endParaRPr>
+          </a:p>
+        </p:txBody>
+      </p:sp>
+      <p:sp>
+        <p:nvSpPr>
+          <p:cNvPr id="8" name="Rectangle 7"/>
+          <p:cNvSpPr/>
+          <p:nvPr/>
+        </p:nvSpPr>
+        <p:spPr>
+          <a:xfrm>
+            <a:off x="184658" y="2899885"/>
+            <a:ext cx="2381504" cy="313002"/>
+          </a:xfrm>
+          <a:prstGeom prst="rect">
+            <a:avLst/>
+          </a:prstGeom>
+          <a:solidFill>
+            <a:schemeClr val="bg1">
+              <a:lumMod val="95000"/>
+            </a:schemeClr>
+          </a:solidFill>
+        </p:spPr>
+        <p:style>
+          <a:lnRef idx="2">
+            <a:schemeClr val="accent1">
+              <a:shade val="50000"/>
+            </a:schemeClr>
+          </a:lnRef>
+          <a:fillRef idx="1">
+            <a:schemeClr val="accent1"/>
+          </a:fillRef>
+          <a:effectRef idx="0">
+            <a:schemeClr val="accent1"/>
+          </a:effectRef>
+          <a:fontRef idx="minor">
+            <a:schemeClr val="lt1"/>
+          </a:fontRef>
+        </p:style>
+        <p:txBody>
+          <a:bodyPr rtlCol="0" anchor="ctr"/>
+          <a:lstStyle/>
+          <a:p>
+            <a:pPr algn="ctr"/>
+            <a:r>
+              <a:rPr lang="en-US" dirty="0" smtClean="0">
+                <a:solidFill>
+                  <a:schemeClr val="tx1"/>
+                </a:solidFill>
+              </a:rPr>
+              <a:t>Set Pit Flags</a:t>
+            </a:r>
+            <a:endParaRPr lang="en-US" dirty="0">
+              <a:solidFill>
+                <a:schemeClr val="tx1"/>
+              </a:solidFill>
+            </a:endParaRPr>
+          </a:p>
+        </p:txBody>
+      </p:sp>
+      <p:sp>
+        <p:nvSpPr>
+          <p:cNvPr id="9" name="Rectangle 8"/>
+          <p:cNvSpPr/>
+          <p:nvPr/>
+        </p:nvSpPr>
+        <p:spPr>
+          <a:xfrm>
+            <a:off x="184658" y="3212886"/>
+            <a:ext cx="2381504" cy="552629"/>
+          </a:xfrm>
+          <a:prstGeom prst="rect">
+            <a:avLst/>
+          </a:prstGeom>
+          <a:solidFill>
+            <a:schemeClr val="bg1">
+              <a:lumMod val="95000"/>
+            </a:schemeClr>
+          </a:solidFill>
+        </p:spPr>
+        <p:style>
+          <a:lnRef idx="2">
+            <a:schemeClr val="accent1">
+              <a:shade val="50000"/>
+            </a:schemeClr>
+          </a:lnRef>
+          <a:fillRef idx="1">
+            <a:schemeClr val="accent1"/>
+          </a:fillRef>
+          <a:effectRef idx="0">
+            <a:schemeClr val="accent1"/>
+          </a:effectRef>
+          <a:fontRef idx="minor">
+            <a:schemeClr val="lt1"/>
+          </a:fontRef>
+        </p:style>
+        <p:txBody>
+          <a:bodyPr rtlCol="0" anchor="ctr"/>
+          <a:lstStyle/>
+          <a:p>
+            <a:pPr algn="ctr"/>
+            <a:r>
+              <a:rPr lang="en-US" dirty="0" smtClean="0">
+                <a:solidFill>
+                  <a:schemeClr val="tx1"/>
+                </a:solidFill>
+              </a:rPr>
+              <a:t>Send Custom Message</a:t>
+            </a:r>
+            <a:endParaRPr lang="en-US" dirty="0">
+              <a:solidFill>
+                <a:schemeClr val="tx1"/>
+              </a:solidFill>
+            </a:endParaRPr>
+          </a:p>
+        </p:txBody>
+      </p:sp>
+      <p:sp>
+        <p:nvSpPr>
+          <p:cNvPr id="10" name="Rectangle 9"/>
+          <p:cNvSpPr/>
+          <p:nvPr/>
+        </p:nvSpPr>
+        <p:spPr>
+          <a:xfrm>
+            <a:off x="184658" y="3765515"/>
+            <a:ext cx="2381504" cy="552629"/>
+          </a:xfrm>
+          <a:prstGeom prst="rect">
+            <a:avLst/>
+          </a:prstGeom>
+          <a:solidFill>
+            <a:schemeClr val="bg1">
+              <a:lumMod val="95000"/>
+            </a:schemeClr>
+          </a:solidFill>
+        </p:spPr>
+        <p:style>
+          <a:lnRef idx="2">
+            <a:schemeClr val="accent1">
+              <a:shade val="50000"/>
+            </a:schemeClr>
+          </a:lnRef>
+          <a:fillRef idx="1">
+            <a:schemeClr val="accent1"/>
+          </a:fillRef>
+          <a:effectRef idx="0">
+            <a:schemeClr val="accent1"/>
+          </a:effectRef>
+          <a:fontRef idx="minor">
+            <a:schemeClr val="lt1"/>
+          </a:fontRef>
+        </p:style>
+        <p:txBody>
+          <a:bodyPr rtlCol="0" anchor="ctr"/>
+          <a:lstStyle/>
+          <a:p>
+            <a:pPr algn="ctr"/>
+            <a:r>
+              <a:rPr lang="en-US" dirty="0" smtClean="0">
+                <a:solidFill>
+                  <a:schemeClr val="tx1"/>
+                </a:solidFill>
+              </a:rPr>
+              <a:t>Manual Set Lap Data</a:t>
+            </a:r>
+            <a:endParaRPr lang="en-US" dirty="0">
+              <a:solidFill>
+                <a:schemeClr val="tx1"/>
+              </a:solidFill>
+            </a:endParaRPr>
+          </a:p>
+        </p:txBody>
+      </p:sp>
+      <p:sp>
+        <p:nvSpPr>
+          <p:cNvPr id="11" name="Rectangle 10"/>
+          <p:cNvSpPr/>
+          <p:nvPr/>
+        </p:nvSpPr>
+        <p:spPr>
+          <a:xfrm>
+            <a:off x="191008" y="417176"/>
+            <a:ext cx="2381504" cy="902207"/>
+          </a:xfrm>
+          <a:prstGeom prst="rect">
+            <a:avLst/>
+          </a:prstGeom>
+          <a:solidFill>
+            <a:schemeClr val="bg1">
+              <a:lumMod val="95000"/>
+            </a:schemeClr>
+          </a:solidFill>
+        </p:spPr>
+        <p:style>
+          <a:lnRef idx="2">
+            <a:schemeClr val="accent1">
+              <a:shade val="50000"/>
+            </a:schemeClr>
+          </a:lnRef>
+          <a:fillRef idx="1">
+            <a:schemeClr val="accent1"/>
+          </a:fillRef>
+          <a:effectRef idx="0">
+            <a:schemeClr val="accent1"/>
+          </a:effectRef>
+          <a:fontRef idx="minor">
+            <a:schemeClr val="lt1"/>
+          </a:fontRef>
+        </p:style>
+        <p:txBody>
+          <a:bodyPr rtlCol="0" anchor="ctr"/>
+          <a:lstStyle/>
+          <a:p>
+            <a:pPr algn="ctr"/>
+            <a:r>
+              <a:rPr lang="en-US" dirty="0" smtClean="0">
+                <a:solidFill>
+                  <a:schemeClr val="tx1"/>
+                </a:solidFill>
+              </a:rPr>
+              <a:t>Define Lap Data</a:t>
+            </a:r>
+          </a:p>
+          <a:p>
+            <a:pPr algn="ctr"/>
+            <a:r>
+              <a:rPr lang="en-US" dirty="0" smtClean="0">
+                <a:solidFill>
+                  <a:schemeClr val="tx1"/>
+                </a:solidFill>
+              </a:rPr>
+              <a:t>(Time, </a:t>
+            </a:r>
+            <a:r>
+              <a:rPr lang="en-US" dirty="0" err="1" smtClean="0">
+                <a:solidFill>
+                  <a:schemeClr val="tx1"/>
+                </a:solidFill>
+              </a:rPr>
+              <a:t>Pos</a:t>
+            </a:r>
+            <a:r>
+              <a:rPr lang="en-US" dirty="0" smtClean="0">
+                <a:solidFill>
+                  <a:schemeClr val="tx1"/>
+                </a:solidFill>
+              </a:rPr>
+              <a:t>, </a:t>
+            </a:r>
+            <a:r>
+              <a:rPr lang="en-US" dirty="0" smtClean="0">
+                <a:solidFill>
+                  <a:schemeClr val="tx1"/>
+                </a:solidFill>
+              </a:rPr>
+              <a:t>Laps, gaps)</a:t>
+            </a:r>
+            <a:endParaRPr lang="en-US" dirty="0" smtClean="0">
+              <a:solidFill>
+                <a:schemeClr val="tx1"/>
+              </a:solidFill>
+            </a:endParaRPr>
+          </a:p>
+          <a:p>
+            <a:pPr algn="ctr"/>
+            <a:r>
+              <a:rPr lang="en-US" dirty="0" smtClean="0">
+                <a:solidFill>
+                  <a:schemeClr val="tx1"/>
+                </a:solidFill>
+              </a:rPr>
+              <a:t>Self &amp; Opponent</a:t>
+            </a:r>
+            <a:endParaRPr lang="en-US" dirty="0">
+              <a:solidFill>
+                <a:schemeClr val="tx1"/>
+              </a:solidFill>
+            </a:endParaRPr>
+          </a:p>
+        </p:txBody>
+      </p:sp>
+      <p:sp>
+        <p:nvSpPr>
+          <p:cNvPr id="25" name="Rectangle 24"/>
+          <p:cNvSpPr/>
+          <p:nvPr/>
+        </p:nvSpPr>
+        <p:spPr>
+          <a:xfrm>
+            <a:off x="4241110" y="674286"/>
+            <a:ext cx="2381504" cy="313002"/>
+          </a:xfrm>
+          <a:prstGeom prst="rect">
+            <a:avLst/>
+          </a:prstGeom>
+          <a:solidFill>
+            <a:schemeClr val="bg1">
+              <a:lumMod val="85000"/>
+            </a:schemeClr>
+          </a:solidFill>
+        </p:spPr>
+        <p:style>
+          <a:lnRef idx="2">
+            <a:schemeClr val="accent1">
+              <a:shade val="50000"/>
+            </a:schemeClr>
+          </a:lnRef>
+          <a:fillRef idx="1">
+            <a:schemeClr val="accent1"/>
+          </a:fillRef>
+          <a:effectRef idx="0">
+            <a:schemeClr val="accent1"/>
+          </a:effectRef>
+          <a:fontRef idx="minor">
+            <a:schemeClr val="lt1"/>
+          </a:fontRef>
+        </p:style>
+        <p:txBody>
+          <a:bodyPr rtlCol="0" anchor="ctr"/>
+          <a:lstStyle/>
+          <a:p>
+            <a:pPr algn="ctr"/>
+            <a:r>
+              <a:rPr lang="en-US" dirty="0" smtClean="0">
+                <a:solidFill>
+                  <a:schemeClr val="tx1"/>
+                </a:solidFill>
+              </a:rPr>
+              <a:t>Pit Processor</a:t>
+            </a:r>
+            <a:endParaRPr lang="en-US" dirty="0">
+              <a:solidFill>
+                <a:schemeClr val="tx1"/>
+              </a:solidFill>
+            </a:endParaRPr>
+          </a:p>
+        </p:txBody>
+      </p:sp>
+      <p:sp>
+        <p:nvSpPr>
+          <p:cNvPr id="27" name="Rectangle 26"/>
+          <p:cNvSpPr/>
+          <p:nvPr/>
+        </p:nvSpPr>
+        <p:spPr>
+          <a:xfrm>
+            <a:off x="9666948" y="2889787"/>
+            <a:ext cx="2381504" cy="552629"/>
+          </a:xfrm>
+          <a:prstGeom prst="rect">
+            <a:avLst/>
+          </a:prstGeom>
+          <a:solidFill>
+            <a:schemeClr val="bg1">
+              <a:lumMod val="95000"/>
+            </a:schemeClr>
+          </a:solidFill>
+        </p:spPr>
+        <p:style>
+          <a:lnRef idx="2">
+            <a:schemeClr val="accent1">
+              <a:shade val="50000"/>
+            </a:schemeClr>
+          </a:lnRef>
+          <a:fillRef idx="1">
+            <a:schemeClr val="accent1"/>
+          </a:fillRef>
+          <a:effectRef idx="0">
+            <a:schemeClr val="accent1"/>
+          </a:effectRef>
+          <a:fontRef idx="minor">
+            <a:schemeClr val="lt1"/>
+          </a:fontRef>
+        </p:style>
+        <p:txBody>
+          <a:bodyPr rtlCol="0" anchor="ctr"/>
+          <a:lstStyle/>
+          <a:p>
+            <a:pPr algn="ctr"/>
+            <a:r>
+              <a:rPr lang="en-US" dirty="0" smtClean="0">
+                <a:solidFill>
+                  <a:schemeClr val="tx1"/>
+                </a:solidFill>
+              </a:rPr>
+              <a:t>Send Custom Message</a:t>
+            </a:r>
+            <a:endParaRPr lang="en-US" dirty="0">
+              <a:solidFill>
+                <a:schemeClr val="tx1"/>
+              </a:solidFill>
+            </a:endParaRPr>
+          </a:p>
+        </p:txBody>
+      </p:sp>
+      <p:sp>
+        <p:nvSpPr>
+          <p:cNvPr id="28" name="Rectangle 27"/>
+          <p:cNvSpPr/>
+          <p:nvPr/>
+        </p:nvSpPr>
+        <p:spPr>
+          <a:xfrm>
+            <a:off x="9666948" y="3442416"/>
+            <a:ext cx="2381504" cy="552629"/>
+          </a:xfrm>
+          <a:prstGeom prst="rect">
+            <a:avLst/>
+          </a:prstGeom>
+          <a:solidFill>
+            <a:schemeClr val="bg1">
+              <a:lumMod val="95000"/>
+            </a:schemeClr>
+          </a:solidFill>
+        </p:spPr>
+        <p:style>
+          <a:lnRef idx="2">
+            <a:schemeClr val="accent1">
+              <a:shade val="50000"/>
+            </a:schemeClr>
+          </a:lnRef>
+          <a:fillRef idx="1">
+            <a:schemeClr val="accent1"/>
+          </a:fillRef>
+          <a:effectRef idx="0">
+            <a:schemeClr val="accent1"/>
+          </a:effectRef>
+          <a:fontRef idx="minor">
+            <a:schemeClr val="lt1"/>
+          </a:fontRef>
+        </p:style>
+        <p:txBody>
+          <a:bodyPr rtlCol="0" anchor="ctr"/>
+          <a:lstStyle/>
+          <a:p>
+            <a:pPr algn="ctr"/>
+            <a:r>
+              <a:rPr lang="en-US" dirty="0" smtClean="0">
+                <a:solidFill>
+                  <a:schemeClr val="tx1"/>
+                </a:solidFill>
+              </a:rPr>
+              <a:t>Manual Set Lap Data</a:t>
+            </a:r>
+            <a:endParaRPr lang="en-US" dirty="0">
+              <a:solidFill>
+                <a:schemeClr val="tx1"/>
+              </a:solidFill>
+            </a:endParaRPr>
+          </a:p>
+        </p:txBody>
+      </p:sp>
+      <p:sp>
+        <p:nvSpPr>
+          <p:cNvPr id="29" name="Rectangle 28"/>
+          <p:cNvSpPr/>
+          <p:nvPr/>
+        </p:nvSpPr>
+        <p:spPr>
+          <a:xfrm>
+            <a:off x="9666948" y="1294028"/>
+            <a:ext cx="2381504" cy="234896"/>
+          </a:xfrm>
+          <a:prstGeom prst="rect">
+            <a:avLst/>
+          </a:prstGeom>
+          <a:solidFill>
+            <a:schemeClr val="bg1">
+              <a:lumMod val="85000"/>
+            </a:schemeClr>
+          </a:solidFill>
+        </p:spPr>
+        <p:style>
+          <a:lnRef idx="2">
+            <a:schemeClr val="accent1">
+              <a:shade val="50000"/>
+            </a:schemeClr>
+          </a:lnRef>
+          <a:fillRef idx="1">
+            <a:schemeClr val="accent1"/>
+          </a:fillRef>
+          <a:effectRef idx="0">
+            <a:schemeClr val="accent1"/>
+          </a:effectRef>
+          <a:fontRef idx="minor">
+            <a:schemeClr val="lt1"/>
+          </a:fontRef>
+        </p:style>
+        <p:txBody>
+          <a:bodyPr rtlCol="0" anchor="ctr"/>
+          <a:lstStyle/>
+          <a:p>
+            <a:pPr algn="ctr"/>
+            <a:r>
+              <a:rPr lang="en-US" dirty="0" smtClean="0">
+                <a:solidFill>
+                  <a:schemeClr val="tx1"/>
+                </a:solidFill>
+              </a:rPr>
+              <a:t>Screen</a:t>
+            </a:r>
+            <a:endParaRPr lang="en-US" dirty="0">
+              <a:solidFill>
+                <a:schemeClr val="tx1"/>
+              </a:solidFill>
+            </a:endParaRPr>
+          </a:p>
+        </p:txBody>
+      </p:sp>
+      <p:sp>
+        <p:nvSpPr>
+          <p:cNvPr id="30" name="Rectangle 29"/>
+          <p:cNvSpPr/>
+          <p:nvPr/>
+        </p:nvSpPr>
+        <p:spPr>
+          <a:xfrm>
+            <a:off x="9666948" y="1528924"/>
+            <a:ext cx="2381504" cy="552629"/>
+          </a:xfrm>
+          <a:prstGeom prst="rect">
+            <a:avLst/>
+          </a:prstGeom>
+          <a:solidFill>
+            <a:schemeClr val="bg1">
+              <a:lumMod val="95000"/>
+            </a:schemeClr>
+          </a:solidFill>
+        </p:spPr>
+        <p:style>
+          <a:lnRef idx="2">
+            <a:schemeClr val="accent1">
+              <a:shade val="50000"/>
+            </a:schemeClr>
+          </a:lnRef>
+          <a:fillRef idx="1">
+            <a:schemeClr val="accent1"/>
+          </a:fillRef>
+          <a:effectRef idx="0">
+            <a:schemeClr val="accent1"/>
+          </a:effectRef>
+          <a:fontRef idx="minor">
+            <a:schemeClr val="lt1"/>
+          </a:fontRef>
+        </p:style>
+        <p:txBody>
+          <a:bodyPr rtlCol="0" anchor="ctr"/>
+          <a:lstStyle/>
+          <a:p>
+            <a:pPr algn="ctr"/>
+            <a:r>
+              <a:rPr lang="en-US" dirty="0" smtClean="0">
+                <a:solidFill>
+                  <a:schemeClr val="tx1"/>
+                </a:solidFill>
+              </a:rPr>
+              <a:t>Send Custom Message</a:t>
+            </a:r>
+            <a:endParaRPr lang="en-US" dirty="0">
+              <a:solidFill>
+                <a:schemeClr val="tx1"/>
+              </a:solidFill>
+            </a:endParaRPr>
+          </a:p>
+        </p:txBody>
+      </p:sp>
+      <p:sp>
+        <p:nvSpPr>
+          <p:cNvPr id="31" name="Rectangle 30"/>
+          <p:cNvSpPr/>
+          <p:nvPr/>
+        </p:nvSpPr>
+        <p:spPr>
+          <a:xfrm>
+            <a:off x="9666948" y="2081553"/>
+            <a:ext cx="2381504" cy="552629"/>
+          </a:xfrm>
+          <a:prstGeom prst="rect">
+            <a:avLst/>
+          </a:prstGeom>
+          <a:solidFill>
+            <a:schemeClr val="bg1">
+              <a:lumMod val="95000"/>
+            </a:schemeClr>
+          </a:solidFill>
+        </p:spPr>
+        <p:style>
+          <a:lnRef idx="2">
+            <a:schemeClr val="accent1">
+              <a:shade val="50000"/>
+            </a:schemeClr>
+          </a:lnRef>
+          <a:fillRef idx="1">
+            <a:schemeClr val="accent1"/>
+          </a:fillRef>
+          <a:effectRef idx="0">
+            <a:schemeClr val="accent1"/>
+          </a:effectRef>
+          <a:fontRef idx="minor">
+            <a:schemeClr val="lt1"/>
+          </a:fontRef>
+        </p:style>
+        <p:txBody>
+          <a:bodyPr rtlCol="0" anchor="ctr"/>
+          <a:lstStyle/>
+          <a:p>
+            <a:pPr algn="ctr"/>
+            <a:r>
+              <a:rPr lang="en-US" dirty="0" smtClean="0">
+                <a:solidFill>
+                  <a:schemeClr val="tx1"/>
+                </a:solidFill>
+              </a:rPr>
+              <a:t>Manual Set Lap Data</a:t>
+            </a:r>
+            <a:endParaRPr lang="en-US" dirty="0">
+              <a:solidFill>
+                <a:schemeClr val="tx1"/>
+              </a:solidFill>
+            </a:endParaRPr>
+          </a:p>
+        </p:txBody>
+      </p:sp>
+      <p:sp>
+        <p:nvSpPr>
+          <p:cNvPr id="34" name="Rectangle 33"/>
+          <p:cNvSpPr/>
+          <p:nvPr/>
+        </p:nvSpPr>
+        <p:spPr>
+          <a:xfrm>
+            <a:off x="4241110" y="987288"/>
+            <a:ext cx="2381504" cy="1971112"/>
+          </a:xfrm>
+          <a:prstGeom prst="rect">
+            <a:avLst/>
+          </a:prstGeom>
+          <a:solidFill>
+            <a:schemeClr val="bg1">
+              <a:lumMod val="95000"/>
+            </a:schemeClr>
+          </a:solidFill>
+        </p:spPr>
+        <p:style>
+          <a:lnRef idx="2">
+            <a:schemeClr val="accent1">
+              <a:shade val="50000"/>
+            </a:schemeClr>
+          </a:lnRef>
+          <a:fillRef idx="1">
+            <a:schemeClr val="accent1"/>
+          </a:fillRef>
+          <a:effectRef idx="0">
+            <a:schemeClr val="accent1"/>
+          </a:effectRef>
+          <a:fontRef idx="minor">
+            <a:schemeClr val="lt1"/>
+          </a:fontRef>
+        </p:style>
+        <p:txBody>
+          <a:bodyPr rtlCol="0" anchor="ctr"/>
+          <a:lstStyle/>
+          <a:p>
+            <a:r>
+              <a:rPr lang="en-US" dirty="0" smtClean="0">
+                <a:solidFill>
+                  <a:schemeClr val="tx1"/>
+                </a:solidFill>
+              </a:rPr>
+              <a:t>Race Metric Processing</a:t>
+            </a:r>
+            <a:endParaRPr lang="en-US" dirty="0" smtClean="0">
+              <a:solidFill>
+                <a:schemeClr val="tx1"/>
+              </a:solidFill>
+            </a:endParaRPr>
+          </a:p>
+          <a:p>
+            <a:pPr marL="285750" indent="-285750">
+              <a:buFont typeface="Arial" panose="020B0604020202020204" pitchFamily="34" charset="0"/>
+              <a:buChar char="•"/>
+            </a:pPr>
+            <a:r>
+              <a:rPr lang="en-US" dirty="0" smtClean="0">
+                <a:solidFill>
+                  <a:schemeClr val="tx1"/>
+                </a:solidFill>
+              </a:rPr>
+              <a:t>Self History</a:t>
+            </a:r>
+          </a:p>
+          <a:p>
+            <a:pPr marL="285750" indent="-285750">
+              <a:buFont typeface="Arial" panose="020B0604020202020204" pitchFamily="34" charset="0"/>
+              <a:buChar char="•"/>
+            </a:pPr>
+            <a:r>
+              <a:rPr lang="en-US" dirty="0" smtClean="0">
+                <a:solidFill>
+                  <a:schemeClr val="tx1"/>
+                </a:solidFill>
+              </a:rPr>
+              <a:t>Opponent History</a:t>
+            </a:r>
+          </a:p>
+          <a:p>
+            <a:pPr marL="285750" indent="-285750">
+              <a:buFont typeface="Arial" panose="020B0604020202020204" pitchFamily="34" charset="0"/>
+              <a:buChar char="•"/>
+            </a:pPr>
+            <a:r>
+              <a:rPr lang="en-US" dirty="0" smtClean="0">
+                <a:solidFill>
+                  <a:schemeClr val="tx1"/>
+                </a:solidFill>
+              </a:rPr>
+              <a:t>Projections</a:t>
+            </a:r>
+            <a:r>
+              <a:rPr lang="en-US" dirty="0" smtClean="0">
+                <a:solidFill>
+                  <a:schemeClr val="tx1"/>
+                </a:solidFill>
+              </a:rPr>
+              <a:t> </a:t>
+            </a:r>
+          </a:p>
+          <a:p>
+            <a:pPr marL="285750" indent="-285750">
+              <a:buFont typeface="Arial" panose="020B0604020202020204" pitchFamily="34" charset="0"/>
+              <a:buChar char="•"/>
+            </a:pPr>
+            <a:r>
+              <a:rPr lang="en-US" dirty="0" smtClean="0">
+                <a:solidFill>
+                  <a:schemeClr val="tx1"/>
+                </a:solidFill>
+              </a:rPr>
+              <a:t>Bike Data per Lap</a:t>
+            </a:r>
+            <a:endParaRPr lang="en-US" dirty="0" smtClean="0">
+              <a:solidFill>
+                <a:schemeClr val="tx1"/>
+              </a:solidFill>
+            </a:endParaRPr>
+          </a:p>
+        </p:txBody>
+      </p:sp>
+      <p:sp>
+        <p:nvSpPr>
+          <p:cNvPr id="24" name="Rectangle 23"/>
+          <p:cNvSpPr/>
+          <p:nvPr/>
+        </p:nvSpPr>
+        <p:spPr>
+          <a:xfrm>
+            <a:off x="4247460" y="2958400"/>
+            <a:ext cx="2381504" cy="313002"/>
+          </a:xfrm>
+          <a:prstGeom prst="rect">
+            <a:avLst/>
+          </a:prstGeom>
+          <a:solidFill>
+            <a:schemeClr val="bg1">
+              <a:lumMod val="85000"/>
+            </a:schemeClr>
+          </a:solidFill>
+        </p:spPr>
+        <p:style>
+          <a:lnRef idx="2">
+            <a:schemeClr val="accent1">
+              <a:shade val="50000"/>
+            </a:schemeClr>
+          </a:lnRef>
+          <a:fillRef idx="1">
+            <a:schemeClr val="accent1"/>
+          </a:fillRef>
+          <a:effectRef idx="0">
+            <a:schemeClr val="accent1"/>
+          </a:effectRef>
+          <a:fontRef idx="minor">
+            <a:schemeClr val="lt1"/>
+          </a:fontRef>
+        </p:style>
+        <p:txBody>
+          <a:bodyPr rtlCol="0" anchor="ctr"/>
+          <a:lstStyle/>
+          <a:p>
+            <a:pPr algn="ctr"/>
+            <a:r>
+              <a:rPr lang="en-US" dirty="0" smtClean="0">
+                <a:solidFill>
+                  <a:schemeClr val="tx1"/>
+                </a:solidFill>
+              </a:rPr>
+              <a:t>Web Server</a:t>
+            </a:r>
+            <a:endParaRPr lang="en-US" dirty="0">
+              <a:solidFill>
+                <a:schemeClr val="tx1"/>
+              </a:solidFill>
+            </a:endParaRPr>
+          </a:p>
+        </p:txBody>
+      </p:sp>
+      <p:sp>
+        <p:nvSpPr>
+          <p:cNvPr id="32" name="Rectangle 31"/>
+          <p:cNvSpPr/>
+          <p:nvPr/>
+        </p:nvSpPr>
+        <p:spPr>
+          <a:xfrm>
+            <a:off x="4249275" y="3249350"/>
+            <a:ext cx="2381504" cy="1971112"/>
+          </a:xfrm>
+          <a:prstGeom prst="rect">
+            <a:avLst/>
+          </a:prstGeom>
+          <a:solidFill>
+            <a:schemeClr val="bg1">
+              <a:lumMod val="95000"/>
+            </a:schemeClr>
+          </a:solidFill>
+        </p:spPr>
+        <p:style>
+          <a:lnRef idx="2">
+            <a:schemeClr val="accent1">
+              <a:shade val="50000"/>
+            </a:schemeClr>
+          </a:lnRef>
+          <a:fillRef idx="1">
+            <a:schemeClr val="accent1"/>
+          </a:fillRef>
+          <a:effectRef idx="0">
+            <a:schemeClr val="accent1"/>
+          </a:effectRef>
+          <a:fontRef idx="minor">
+            <a:schemeClr val="lt1"/>
+          </a:fontRef>
+        </p:style>
+        <p:txBody>
+          <a:bodyPr rtlCol="0" anchor="ctr"/>
+          <a:lstStyle/>
+          <a:p>
+            <a:r>
+              <a:rPr lang="en-US" dirty="0" smtClean="0">
+                <a:solidFill>
+                  <a:schemeClr val="tx1"/>
+                </a:solidFill>
+              </a:rPr>
+              <a:t>Race Metric Processing</a:t>
+            </a:r>
+            <a:endParaRPr lang="en-US" dirty="0" smtClean="0">
+              <a:solidFill>
+                <a:schemeClr val="tx1"/>
+              </a:solidFill>
+            </a:endParaRPr>
+          </a:p>
+          <a:p>
+            <a:pPr marL="285750" indent="-285750">
+              <a:buFont typeface="Arial" panose="020B0604020202020204" pitchFamily="34" charset="0"/>
+              <a:buChar char="•"/>
+            </a:pPr>
+            <a:r>
+              <a:rPr lang="en-US" dirty="0" smtClean="0">
+                <a:solidFill>
+                  <a:schemeClr val="tx1"/>
+                </a:solidFill>
+              </a:rPr>
+              <a:t>Self History</a:t>
+            </a:r>
+          </a:p>
+          <a:p>
+            <a:pPr marL="285750" indent="-285750">
+              <a:buFont typeface="Arial" panose="020B0604020202020204" pitchFamily="34" charset="0"/>
+              <a:buChar char="•"/>
+            </a:pPr>
+            <a:r>
+              <a:rPr lang="en-US" dirty="0" smtClean="0">
+                <a:solidFill>
+                  <a:schemeClr val="tx1"/>
+                </a:solidFill>
+              </a:rPr>
+              <a:t>Opponent History</a:t>
+            </a:r>
+          </a:p>
+          <a:p>
+            <a:pPr marL="285750" indent="-285750">
+              <a:buFont typeface="Arial" panose="020B0604020202020204" pitchFamily="34" charset="0"/>
+              <a:buChar char="•"/>
+            </a:pPr>
+            <a:r>
+              <a:rPr lang="en-US" dirty="0" smtClean="0">
+                <a:solidFill>
+                  <a:schemeClr val="tx1"/>
+                </a:solidFill>
+              </a:rPr>
+              <a:t>Projections</a:t>
+            </a:r>
+            <a:r>
+              <a:rPr lang="en-US" dirty="0" smtClean="0">
+                <a:solidFill>
+                  <a:schemeClr val="tx1"/>
+                </a:solidFill>
+              </a:rPr>
+              <a:t> </a:t>
+            </a:r>
+          </a:p>
+          <a:p>
+            <a:pPr marL="285750" indent="-285750">
+              <a:buFont typeface="Arial" panose="020B0604020202020204" pitchFamily="34" charset="0"/>
+              <a:buChar char="•"/>
+            </a:pPr>
+            <a:r>
+              <a:rPr lang="en-US" dirty="0" smtClean="0">
+                <a:solidFill>
+                  <a:schemeClr val="tx1"/>
+                </a:solidFill>
+              </a:rPr>
+              <a:t>Bike Data per Lap</a:t>
+            </a:r>
+            <a:endParaRPr lang="en-US" dirty="0" smtClean="0">
+              <a:solidFill>
+                <a:schemeClr val="tx1"/>
+              </a:solidFill>
+            </a:endParaRPr>
+          </a:p>
+        </p:txBody>
+      </p:sp>
+      <p:cxnSp>
+        <p:nvCxnSpPr>
+          <p:cNvPr id="3" name="Elbow Connector 2"/>
+          <p:cNvCxnSpPr>
+            <a:stCxn id="11" idx="3"/>
+            <a:endCxn id="32" idx="1"/>
+          </p:cNvCxnSpPr>
+          <p:nvPr/>
+        </p:nvCxnSpPr>
+        <p:spPr>
+          <a:xfrm>
+            <a:off x="2572512" y="868280"/>
+            <a:ext cx="1676763" cy="3366626"/>
+          </a:xfrm>
+          <a:prstGeom prst="bentConnector3">
+            <a:avLst/>
+          </a:prstGeom>
+          <a:ln>
+            <a:tailEnd type="triangle"/>
+          </a:ln>
+        </p:spPr>
+        <p:style>
+          <a:lnRef idx="1">
+            <a:schemeClr val="accent1"/>
+          </a:lnRef>
+          <a:fillRef idx="0">
+            <a:schemeClr val="accent1"/>
+          </a:fillRef>
+          <a:effectRef idx="0">
+            <a:schemeClr val="accent1"/>
+          </a:effectRef>
+          <a:fontRef idx="minor">
+            <a:schemeClr val="tx1"/>
+          </a:fontRef>
+        </p:style>
+      </p:cxnSp>
+      <p:cxnSp>
+        <p:nvCxnSpPr>
+          <p:cNvPr id="12" name="Elbow Connector 11"/>
+          <p:cNvCxnSpPr>
+            <a:stCxn id="55" idx="2"/>
+            <a:endCxn id="32" idx="2"/>
+          </p:cNvCxnSpPr>
+          <p:nvPr/>
+        </p:nvCxnSpPr>
+        <p:spPr>
+          <a:xfrm rot="5400000" flipH="1" flipV="1">
+            <a:off x="2996421" y="3605800"/>
+            <a:ext cx="828943" cy="4058267"/>
+          </a:xfrm>
+          <a:prstGeom prst="bentConnector3">
+            <a:avLst>
+              <a:gd name="adj1" fmla="val -62386"/>
+            </a:avLst>
+          </a:prstGeom>
+          <a:ln>
+            <a:tailEnd type="triangle"/>
+          </a:ln>
+        </p:spPr>
+        <p:style>
+          <a:lnRef idx="1">
+            <a:schemeClr val="accent1"/>
+          </a:lnRef>
+          <a:fillRef idx="0">
+            <a:schemeClr val="accent1"/>
+          </a:fillRef>
+          <a:effectRef idx="0">
+            <a:schemeClr val="accent1"/>
+          </a:effectRef>
+          <a:fontRef idx="minor">
+            <a:schemeClr val="tx1"/>
+          </a:fontRef>
+        </p:style>
+      </p:cxnSp>
+      <p:cxnSp>
+        <p:nvCxnSpPr>
+          <p:cNvPr id="38" name="Elbow Connector 37"/>
+          <p:cNvCxnSpPr>
+            <a:stCxn id="27" idx="1"/>
+            <a:endCxn id="32" idx="3"/>
+          </p:cNvCxnSpPr>
+          <p:nvPr/>
+        </p:nvCxnSpPr>
+        <p:spPr>
+          <a:xfrm rot="10800000" flipV="1">
+            <a:off x="6630780" y="3166102"/>
+            <a:ext cx="3036169" cy="1068804"/>
+          </a:xfrm>
+          <a:prstGeom prst="bentConnector3">
+            <a:avLst/>
+          </a:prstGeom>
+          <a:ln>
+            <a:tailEnd type="triangle"/>
+          </a:ln>
+        </p:spPr>
+        <p:style>
+          <a:lnRef idx="1">
+            <a:schemeClr val="accent1"/>
+          </a:lnRef>
+          <a:fillRef idx="0">
+            <a:schemeClr val="accent1"/>
+          </a:fillRef>
+          <a:effectRef idx="0">
+            <a:schemeClr val="accent1"/>
+          </a:effectRef>
+          <a:fontRef idx="minor">
+            <a:schemeClr val="tx1"/>
+          </a:fontRef>
+        </p:style>
+      </p:cxnSp>
+      <p:sp>
+        <p:nvSpPr>
+          <p:cNvPr id="52" name="Rectangle 51"/>
+          <p:cNvSpPr/>
+          <p:nvPr/>
+        </p:nvSpPr>
+        <p:spPr>
+          <a:xfrm>
+            <a:off x="191008" y="4318144"/>
+            <a:ext cx="2381504" cy="313002"/>
+          </a:xfrm>
+          <a:prstGeom prst="rect">
+            <a:avLst/>
+          </a:prstGeom>
+          <a:solidFill>
+            <a:schemeClr val="bg1">
+              <a:lumMod val="85000"/>
+            </a:schemeClr>
+          </a:solidFill>
+        </p:spPr>
+        <p:style>
+          <a:lnRef idx="2">
+            <a:schemeClr val="accent1">
+              <a:shade val="50000"/>
+            </a:schemeClr>
+          </a:lnRef>
+          <a:fillRef idx="1">
+            <a:schemeClr val="accent1"/>
+          </a:fillRef>
+          <a:effectRef idx="0">
+            <a:schemeClr val="accent1"/>
+          </a:effectRef>
+          <a:fontRef idx="minor">
+            <a:schemeClr val="lt1"/>
+          </a:fontRef>
+        </p:style>
+        <p:txBody>
+          <a:bodyPr rtlCol="0" anchor="ctr"/>
+          <a:lstStyle/>
+          <a:p>
+            <a:pPr algn="ctr"/>
+            <a:r>
+              <a:rPr lang="en-US" dirty="0" smtClean="0">
+                <a:solidFill>
+                  <a:schemeClr val="tx1"/>
+                </a:solidFill>
+              </a:rPr>
+              <a:t>Team Commands</a:t>
+            </a:r>
+            <a:endParaRPr lang="en-US" dirty="0">
+              <a:solidFill>
+                <a:schemeClr val="tx1"/>
+              </a:solidFill>
+            </a:endParaRPr>
+          </a:p>
+        </p:txBody>
+      </p:sp>
+      <p:sp>
+        <p:nvSpPr>
+          <p:cNvPr id="53" name="Rectangle 52"/>
+          <p:cNvSpPr/>
+          <p:nvPr/>
+        </p:nvSpPr>
+        <p:spPr>
+          <a:xfrm>
+            <a:off x="191008" y="4631146"/>
+            <a:ext cx="2381504" cy="313002"/>
+          </a:xfrm>
+          <a:prstGeom prst="rect">
+            <a:avLst/>
+          </a:prstGeom>
+          <a:solidFill>
+            <a:schemeClr val="bg1">
+              <a:lumMod val="95000"/>
+            </a:schemeClr>
+          </a:solidFill>
+        </p:spPr>
+        <p:style>
+          <a:lnRef idx="2">
+            <a:schemeClr val="accent1">
+              <a:shade val="50000"/>
+            </a:schemeClr>
+          </a:lnRef>
+          <a:fillRef idx="1">
+            <a:schemeClr val="accent1"/>
+          </a:fillRef>
+          <a:effectRef idx="0">
+            <a:schemeClr val="accent1"/>
+          </a:effectRef>
+          <a:fontRef idx="minor">
+            <a:schemeClr val="lt1"/>
+          </a:fontRef>
+        </p:style>
+        <p:txBody>
+          <a:bodyPr rtlCol="0" anchor="ctr"/>
+          <a:lstStyle/>
+          <a:p>
+            <a:pPr algn="ctr"/>
+            <a:r>
+              <a:rPr lang="en-US" dirty="0" smtClean="0">
+                <a:solidFill>
+                  <a:schemeClr val="tx1"/>
+                </a:solidFill>
+              </a:rPr>
+              <a:t>Set Pit Flags</a:t>
+            </a:r>
+            <a:endParaRPr lang="en-US" dirty="0">
+              <a:solidFill>
+                <a:schemeClr val="tx1"/>
+              </a:solidFill>
+            </a:endParaRPr>
+          </a:p>
+        </p:txBody>
+      </p:sp>
+      <p:sp>
+        <p:nvSpPr>
+          <p:cNvPr id="54" name="Rectangle 53"/>
+          <p:cNvSpPr/>
+          <p:nvPr/>
+        </p:nvSpPr>
+        <p:spPr>
+          <a:xfrm>
+            <a:off x="191008" y="4944147"/>
+            <a:ext cx="2381504" cy="552629"/>
+          </a:xfrm>
+          <a:prstGeom prst="rect">
+            <a:avLst/>
+          </a:prstGeom>
+          <a:solidFill>
+            <a:schemeClr val="bg1">
+              <a:lumMod val="95000"/>
+            </a:schemeClr>
+          </a:solidFill>
+        </p:spPr>
+        <p:style>
+          <a:lnRef idx="2">
+            <a:schemeClr val="accent1">
+              <a:shade val="50000"/>
+            </a:schemeClr>
+          </a:lnRef>
+          <a:fillRef idx="1">
+            <a:schemeClr val="accent1"/>
+          </a:fillRef>
+          <a:effectRef idx="0">
+            <a:schemeClr val="accent1"/>
+          </a:effectRef>
+          <a:fontRef idx="minor">
+            <a:schemeClr val="lt1"/>
+          </a:fontRef>
+        </p:style>
+        <p:txBody>
+          <a:bodyPr rtlCol="0" anchor="ctr"/>
+          <a:lstStyle/>
+          <a:p>
+            <a:pPr algn="ctr"/>
+            <a:r>
+              <a:rPr lang="en-US" dirty="0" smtClean="0">
+                <a:solidFill>
+                  <a:schemeClr val="tx1"/>
+                </a:solidFill>
+              </a:rPr>
+              <a:t>Send Custom Message</a:t>
+            </a:r>
+            <a:endParaRPr lang="en-US" dirty="0">
+              <a:solidFill>
+                <a:schemeClr val="tx1"/>
+              </a:solidFill>
+            </a:endParaRPr>
+          </a:p>
+        </p:txBody>
+      </p:sp>
+      <p:sp>
+        <p:nvSpPr>
+          <p:cNvPr id="55" name="Rectangle 54"/>
+          <p:cNvSpPr/>
+          <p:nvPr/>
+        </p:nvSpPr>
+        <p:spPr>
+          <a:xfrm>
+            <a:off x="191008" y="5496776"/>
+            <a:ext cx="2381504" cy="552629"/>
+          </a:xfrm>
+          <a:prstGeom prst="rect">
+            <a:avLst/>
+          </a:prstGeom>
+          <a:solidFill>
+            <a:schemeClr val="bg1">
+              <a:lumMod val="95000"/>
+            </a:schemeClr>
+          </a:solidFill>
+        </p:spPr>
+        <p:style>
+          <a:lnRef idx="2">
+            <a:schemeClr val="accent1">
+              <a:shade val="50000"/>
+            </a:schemeClr>
+          </a:lnRef>
+          <a:fillRef idx="1">
+            <a:schemeClr val="accent1"/>
+          </a:fillRef>
+          <a:effectRef idx="0">
+            <a:schemeClr val="accent1"/>
+          </a:effectRef>
+          <a:fontRef idx="minor">
+            <a:schemeClr val="lt1"/>
+          </a:fontRef>
+        </p:style>
+        <p:txBody>
+          <a:bodyPr rtlCol="0" anchor="ctr"/>
+          <a:lstStyle/>
+          <a:p>
+            <a:pPr algn="ctr"/>
+            <a:r>
+              <a:rPr lang="en-US" dirty="0" smtClean="0">
+                <a:solidFill>
+                  <a:schemeClr val="tx1"/>
+                </a:solidFill>
+              </a:rPr>
+              <a:t>Manual Set Lap Data</a:t>
+            </a:r>
+            <a:endParaRPr lang="en-US" dirty="0">
+              <a:solidFill>
+                <a:schemeClr val="tx1"/>
+              </a:solidFill>
+            </a:endParaRPr>
+          </a:p>
+        </p:txBody>
+      </p:sp>
+      <p:cxnSp>
+        <p:nvCxnSpPr>
+          <p:cNvPr id="57" name="Elbow Connector 56"/>
+          <p:cNvCxnSpPr>
+            <a:endCxn id="9" idx="3"/>
+          </p:cNvCxnSpPr>
+          <p:nvPr/>
+        </p:nvCxnSpPr>
+        <p:spPr>
+          <a:xfrm rot="10800000" flipV="1">
+            <a:off x="2566162" y="1861541"/>
+            <a:ext cx="1657714" cy="1627659"/>
+          </a:xfrm>
+          <a:prstGeom prst="bentConnector3">
+            <a:avLst>
+              <a:gd name="adj1" fmla="val 79419"/>
+            </a:avLst>
+          </a:prstGeom>
+          <a:ln>
+            <a:tailEnd type="triangle"/>
+          </a:ln>
+        </p:spPr>
+        <p:style>
+          <a:lnRef idx="1">
+            <a:schemeClr val="accent1"/>
+          </a:lnRef>
+          <a:fillRef idx="0">
+            <a:schemeClr val="accent1"/>
+          </a:fillRef>
+          <a:effectRef idx="0">
+            <a:schemeClr val="accent1"/>
+          </a:effectRef>
+          <a:fontRef idx="minor">
+            <a:schemeClr val="tx1"/>
+          </a:fontRef>
+        </p:style>
+      </p:cxnSp>
+    </p:spTree>
+    <p:extLst>
+      <p:ext uri="{BB962C8B-B14F-4D97-AF65-F5344CB8AC3E}">
+        <p14:creationId xmlns:p14="http://schemas.microsoft.com/office/powerpoint/2010/main" val="992108114"/>
       </p:ext>
     </p:extLst>
   </p:cSld>

--- a/Presentation2.pptx
+++ b/Presentation2.pptx
@@ -6,8 +6,7 @@
   </p:sldMasterIdLst>
   <p:sldIdLst>
     <p:sldId id="256" r:id="rId2"/>
-    <p:sldId id="257" r:id="rId3"/>
-    <p:sldId id="258" r:id="rId4"/>
+    <p:sldId id="258" r:id="rId3"/>
   </p:sldIdLst>
   <p:sldSz cx="12192000" cy="6858000"/>
   <p:notesSz cx="6858000" cy="9144000"/>
@@ -3047,7 +3046,7 @@
         </p:nvSpPr>
         <p:spPr>
           <a:xfrm>
-            <a:off x="9656064" y="2654891"/>
+            <a:off x="9666948" y="2654891"/>
             <a:ext cx="2381504" cy="234896"/>
           </a:xfrm>
           <a:prstGeom prst="rect">
@@ -3143,7 +3142,7 @@
                   <a:schemeClr val="tx1"/>
                 </a:solidFill>
               </a:rPr>
-              <a:t>Web</a:t>
+              <a:t>Race Time Scraper</a:t>
             </a:r>
             <a:endParaRPr lang="en-US" dirty="0">
               <a:solidFill>
@@ -3161,7 +3160,7 @@
         </p:nvSpPr>
         <p:spPr>
           <a:xfrm>
-            <a:off x="342115" y="3578487"/>
+            <a:off x="184658" y="2586883"/>
             <a:ext cx="2381504" cy="313002"/>
           </a:xfrm>
           <a:prstGeom prst="rect">
@@ -3218,7 +3217,7 @@
         </p:nvSpPr>
         <p:spPr>
           <a:xfrm>
-            <a:off x="342115" y="3891489"/>
+            <a:off x="184658" y="2899885"/>
             <a:ext cx="2381504" cy="313002"/>
           </a:xfrm>
           <a:prstGeom prst="rect">
@@ -3275,7 +3274,7 @@
         </p:nvSpPr>
         <p:spPr>
           <a:xfrm>
-            <a:off x="342115" y="4204490"/>
+            <a:off x="184658" y="3212886"/>
             <a:ext cx="2381504" cy="552629"/>
           </a:xfrm>
           <a:prstGeom prst="rect">
@@ -3332,7 +3331,7 @@
         </p:nvSpPr>
         <p:spPr>
           <a:xfrm>
-            <a:off x="342115" y="4757119"/>
+            <a:off x="184658" y="3765515"/>
             <a:ext cx="2381504" cy="552629"/>
           </a:xfrm>
           <a:prstGeom prst="rect">
@@ -3455,8 +3454,21 @@
                   <a:schemeClr val="tx1"/>
                 </a:solidFill>
               </a:rPr>
-              <a:t>, Laps)</a:t>
-            </a:r>
+              <a:t>, </a:t>
+            </a:r>
+            <a:r>
+              <a:rPr lang="en-US" dirty="0" smtClean="0">
+                <a:solidFill>
+                  <a:schemeClr val="tx1"/>
+                </a:solidFill>
+              </a:rPr>
+              <a:t>Laps, gaps)</a:t>
+            </a:r>
+            <a:endParaRPr lang="en-US" dirty="0" smtClean="0">
+              <a:solidFill>
+                <a:schemeClr val="tx1"/>
+              </a:solidFill>
+            </a:endParaRPr>
           </a:p>
           <a:p>
             <a:pPr algn="ctr"/>
@@ -3478,1222 +3490,14 @@
       </p:sp>
       <p:sp>
         <p:nvSpPr>
-          <p:cNvPr id="20" name="Rectangle 19"/>
-          <p:cNvSpPr/>
-          <p:nvPr/>
-        </p:nvSpPr>
-        <p:spPr>
-          <a:xfrm>
-            <a:off x="4242017" y="3578487"/>
-            <a:ext cx="2381504" cy="313002"/>
-          </a:xfrm>
-          <a:prstGeom prst="rect">
-            <a:avLst/>
-          </a:prstGeom>
-          <a:solidFill>
-            <a:schemeClr val="bg1">
-              <a:lumMod val="85000"/>
-            </a:schemeClr>
-          </a:solidFill>
-        </p:spPr>
-        <p:style>
-          <a:lnRef idx="2">
-            <a:schemeClr val="accent1">
-              <a:shade val="50000"/>
-            </a:schemeClr>
-          </a:lnRef>
-          <a:fillRef idx="1">
-            <a:schemeClr val="accent1"/>
-          </a:fillRef>
-          <a:effectRef idx="0">
-            <a:schemeClr val="accent1"/>
-          </a:effectRef>
-          <a:fontRef idx="minor">
-            <a:schemeClr val="lt1"/>
-          </a:fontRef>
-        </p:style>
-        <p:txBody>
-          <a:bodyPr rtlCol="0" anchor="ctr"/>
-          <a:lstStyle/>
-          <a:p>
-            <a:pPr algn="ctr"/>
-            <a:r>
-              <a:rPr lang="en-US" dirty="0" smtClean="0">
-                <a:solidFill>
-                  <a:schemeClr val="tx1"/>
-                </a:solidFill>
-              </a:rPr>
-              <a:t>Pit Display</a:t>
-            </a:r>
-            <a:endParaRPr lang="en-US" dirty="0">
-              <a:solidFill>
-                <a:schemeClr val="tx1"/>
-              </a:solidFill>
-            </a:endParaRPr>
-          </a:p>
-        </p:txBody>
-      </p:sp>
-      <p:sp>
-        <p:nvSpPr>
-          <p:cNvPr id="21" name="Rectangle 20"/>
-          <p:cNvSpPr/>
-          <p:nvPr/>
-        </p:nvSpPr>
-        <p:spPr>
-          <a:xfrm>
-            <a:off x="4242017" y="3891489"/>
-            <a:ext cx="2381504" cy="313002"/>
-          </a:xfrm>
-          <a:prstGeom prst="rect">
-            <a:avLst/>
-          </a:prstGeom>
-          <a:solidFill>
-            <a:schemeClr val="bg1">
-              <a:lumMod val="95000"/>
-            </a:schemeClr>
-          </a:solidFill>
-        </p:spPr>
-        <p:style>
-          <a:lnRef idx="2">
-            <a:schemeClr val="accent1">
-              <a:shade val="50000"/>
-            </a:schemeClr>
-          </a:lnRef>
-          <a:fillRef idx="1">
-            <a:schemeClr val="accent1"/>
-          </a:fillRef>
-          <a:effectRef idx="0">
-            <a:schemeClr val="accent1"/>
-          </a:effectRef>
-          <a:fontRef idx="minor">
-            <a:schemeClr val="lt1"/>
-          </a:fontRef>
-        </p:style>
-        <p:txBody>
-          <a:bodyPr rtlCol="0" anchor="ctr"/>
-          <a:lstStyle/>
-          <a:p>
-            <a:pPr algn="ctr"/>
-            <a:r>
-              <a:rPr lang="en-US" dirty="0" smtClean="0">
-                <a:solidFill>
-                  <a:schemeClr val="tx1"/>
-                </a:solidFill>
-              </a:rPr>
-              <a:t>Set Pit Flags</a:t>
-            </a:r>
-            <a:endParaRPr lang="en-US" dirty="0">
-              <a:solidFill>
-                <a:schemeClr val="tx1"/>
-              </a:solidFill>
-            </a:endParaRPr>
-          </a:p>
-        </p:txBody>
-      </p:sp>
-      <p:sp>
-        <p:nvSpPr>
-          <p:cNvPr id="22" name="Rectangle 21"/>
-          <p:cNvSpPr/>
-          <p:nvPr/>
-        </p:nvSpPr>
-        <p:spPr>
-          <a:xfrm>
-            <a:off x="4242017" y="4204490"/>
-            <a:ext cx="2381504" cy="552629"/>
-          </a:xfrm>
-          <a:prstGeom prst="rect">
-            <a:avLst/>
-          </a:prstGeom>
-          <a:solidFill>
-            <a:schemeClr val="bg1">
-              <a:lumMod val="95000"/>
-            </a:schemeClr>
-          </a:solidFill>
-        </p:spPr>
-        <p:style>
-          <a:lnRef idx="2">
-            <a:schemeClr val="accent1">
-              <a:shade val="50000"/>
-            </a:schemeClr>
-          </a:lnRef>
-          <a:fillRef idx="1">
-            <a:schemeClr val="accent1"/>
-          </a:fillRef>
-          <a:effectRef idx="0">
-            <a:schemeClr val="accent1"/>
-          </a:effectRef>
-          <a:fontRef idx="minor">
-            <a:schemeClr val="lt1"/>
-          </a:fontRef>
-        </p:style>
-        <p:txBody>
-          <a:bodyPr rtlCol="0" anchor="ctr"/>
-          <a:lstStyle/>
-          <a:p>
-            <a:pPr algn="ctr"/>
-            <a:r>
-              <a:rPr lang="en-US" dirty="0" smtClean="0">
-                <a:solidFill>
-                  <a:schemeClr val="tx1"/>
-                </a:solidFill>
-              </a:rPr>
-              <a:t>Send Custom Message</a:t>
-            </a:r>
-            <a:endParaRPr lang="en-US" dirty="0">
-              <a:solidFill>
-                <a:schemeClr val="tx1"/>
-              </a:solidFill>
-            </a:endParaRPr>
-          </a:p>
-        </p:txBody>
-      </p:sp>
-      <p:sp>
-        <p:nvSpPr>
-          <p:cNvPr id="23" name="Rectangle 22"/>
-          <p:cNvSpPr/>
-          <p:nvPr/>
-        </p:nvSpPr>
-        <p:spPr>
-          <a:xfrm>
-            <a:off x="4242017" y="4757119"/>
-            <a:ext cx="2381504" cy="552629"/>
-          </a:xfrm>
-          <a:prstGeom prst="rect">
-            <a:avLst/>
-          </a:prstGeom>
-          <a:solidFill>
-            <a:schemeClr val="bg1">
-              <a:lumMod val="95000"/>
-            </a:schemeClr>
-          </a:solidFill>
-        </p:spPr>
-        <p:style>
-          <a:lnRef idx="2">
-            <a:schemeClr val="accent1">
-              <a:shade val="50000"/>
-            </a:schemeClr>
-          </a:lnRef>
-          <a:fillRef idx="1">
-            <a:schemeClr val="accent1"/>
-          </a:fillRef>
-          <a:effectRef idx="0">
-            <a:schemeClr val="accent1"/>
-          </a:effectRef>
-          <a:fontRef idx="minor">
-            <a:schemeClr val="lt1"/>
-          </a:fontRef>
-        </p:style>
-        <p:txBody>
-          <a:bodyPr rtlCol="0" anchor="ctr"/>
-          <a:lstStyle/>
-          <a:p>
-            <a:pPr algn="ctr"/>
-            <a:r>
-              <a:rPr lang="en-US" dirty="0" smtClean="0">
-                <a:solidFill>
-                  <a:schemeClr val="tx1"/>
-                </a:solidFill>
-              </a:rPr>
-              <a:t>Manual Set Lap Data</a:t>
-            </a:r>
-            <a:endParaRPr lang="en-US" dirty="0">
-              <a:solidFill>
-                <a:schemeClr val="tx1"/>
-              </a:solidFill>
-            </a:endParaRPr>
-          </a:p>
-        </p:txBody>
-      </p:sp>
-      <p:sp>
-        <p:nvSpPr>
           <p:cNvPr id="25" name="Rectangle 24"/>
           <p:cNvSpPr/>
           <p:nvPr/>
         </p:nvSpPr>
         <p:spPr>
           <a:xfrm>
-            <a:off x="4247460" y="129856"/>
-            <a:ext cx="2381504" cy="313002"/>
-          </a:xfrm>
-          <a:prstGeom prst="rect">
-            <a:avLst/>
-          </a:prstGeom>
-          <a:solidFill>
-            <a:schemeClr val="bg1">
-              <a:lumMod val="85000"/>
-            </a:schemeClr>
-          </a:solidFill>
-        </p:spPr>
-        <p:style>
-          <a:lnRef idx="2">
-            <a:schemeClr val="accent1">
-              <a:shade val="50000"/>
-            </a:schemeClr>
-          </a:lnRef>
-          <a:fillRef idx="1">
-            <a:schemeClr val="accent1"/>
-          </a:fillRef>
-          <a:effectRef idx="0">
-            <a:schemeClr val="accent1"/>
-          </a:effectRef>
-          <a:fontRef idx="minor">
-            <a:schemeClr val="lt1"/>
-          </a:fontRef>
-        </p:style>
-        <p:txBody>
-          <a:bodyPr rtlCol="0" anchor="ctr"/>
-          <a:lstStyle/>
-          <a:p>
-            <a:pPr algn="ctr"/>
-            <a:r>
-              <a:rPr lang="en-US" dirty="0" smtClean="0">
-                <a:solidFill>
-                  <a:schemeClr val="tx1"/>
-                </a:solidFill>
-              </a:rPr>
-              <a:t>Pit Processor</a:t>
-            </a:r>
-            <a:endParaRPr lang="en-US" dirty="0">
-              <a:solidFill>
-                <a:schemeClr val="tx1"/>
-              </a:solidFill>
-            </a:endParaRPr>
-          </a:p>
-        </p:txBody>
-      </p:sp>
-      <p:sp>
-        <p:nvSpPr>
-          <p:cNvPr id="26" name="Rectangle 25"/>
-          <p:cNvSpPr/>
-          <p:nvPr/>
-        </p:nvSpPr>
-        <p:spPr>
-          <a:xfrm>
-            <a:off x="4247460" y="442858"/>
-            <a:ext cx="2381504" cy="972715"/>
-          </a:xfrm>
-          <a:prstGeom prst="rect">
-            <a:avLst/>
-          </a:prstGeom>
-          <a:solidFill>
-            <a:schemeClr val="bg1">
-              <a:lumMod val="95000"/>
-            </a:schemeClr>
-          </a:solidFill>
-        </p:spPr>
-        <p:style>
-          <a:lnRef idx="2">
-            <a:schemeClr val="accent1">
-              <a:shade val="50000"/>
-            </a:schemeClr>
-          </a:lnRef>
-          <a:fillRef idx="1">
-            <a:schemeClr val="accent1"/>
-          </a:fillRef>
-          <a:effectRef idx="0">
-            <a:schemeClr val="accent1"/>
-          </a:effectRef>
-          <a:fontRef idx="minor">
-            <a:schemeClr val="lt1"/>
-          </a:fontRef>
-        </p:style>
-        <p:txBody>
-          <a:bodyPr rtlCol="0" anchor="ctr"/>
-          <a:lstStyle/>
-          <a:p>
-            <a:r>
-              <a:rPr lang="en-US" dirty="0" smtClean="0">
-                <a:solidFill>
-                  <a:schemeClr val="tx1"/>
-                </a:solidFill>
-              </a:rPr>
-              <a:t>Time Differencing</a:t>
-            </a:r>
-          </a:p>
-          <a:p>
-            <a:pPr marL="285750" indent="-285750">
-              <a:buFont typeface="Arial" panose="020B0604020202020204" pitchFamily="34" charset="0"/>
-              <a:buChar char="•"/>
-            </a:pPr>
-            <a:r>
-              <a:rPr lang="en-US" dirty="0" smtClean="0">
-                <a:solidFill>
-                  <a:schemeClr val="tx1"/>
-                </a:solidFill>
-              </a:rPr>
-              <a:t>Previous Lap</a:t>
-            </a:r>
-          </a:p>
-          <a:p>
-            <a:pPr marL="285750" indent="-285750">
-              <a:buFont typeface="Arial" panose="020B0604020202020204" pitchFamily="34" charset="0"/>
-              <a:buChar char="•"/>
-            </a:pPr>
-            <a:r>
-              <a:rPr lang="en-US" dirty="0" smtClean="0">
-                <a:solidFill>
-                  <a:schemeClr val="tx1"/>
-                </a:solidFill>
-              </a:rPr>
-              <a:t>Best Lap</a:t>
-            </a:r>
-          </a:p>
-        </p:txBody>
-      </p:sp>
-      <p:sp>
-        <p:nvSpPr>
-          <p:cNvPr id="27" name="Rectangle 26"/>
-          <p:cNvSpPr/>
-          <p:nvPr/>
-        </p:nvSpPr>
-        <p:spPr>
-          <a:xfrm>
-            <a:off x="9656064" y="2889787"/>
-            <a:ext cx="2381504" cy="552629"/>
-          </a:xfrm>
-          <a:prstGeom prst="rect">
-            <a:avLst/>
-          </a:prstGeom>
-          <a:solidFill>
-            <a:schemeClr val="bg1">
-              <a:lumMod val="95000"/>
-            </a:schemeClr>
-          </a:solidFill>
-        </p:spPr>
-        <p:style>
-          <a:lnRef idx="2">
-            <a:schemeClr val="accent1">
-              <a:shade val="50000"/>
-            </a:schemeClr>
-          </a:lnRef>
-          <a:fillRef idx="1">
-            <a:schemeClr val="accent1"/>
-          </a:fillRef>
-          <a:effectRef idx="0">
-            <a:schemeClr val="accent1"/>
-          </a:effectRef>
-          <a:fontRef idx="minor">
-            <a:schemeClr val="lt1"/>
-          </a:fontRef>
-        </p:style>
-        <p:txBody>
-          <a:bodyPr rtlCol="0" anchor="ctr"/>
-          <a:lstStyle/>
-          <a:p>
-            <a:pPr algn="ctr"/>
-            <a:r>
-              <a:rPr lang="en-US" dirty="0" smtClean="0">
-                <a:solidFill>
-                  <a:schemeClr val="tx1"/>
-                </a:solidFill>
-              </a:rPr>
-              <a:t>Send Custom Message</a:t>
-            </a:r>
-            <a:endParaRPr lang="en-US" dirty="0">
-              <a:solidFill>
-                <a:schemeClr val="tx1"/>
-              </a:solidFill>
-            </a:endParaRPr>
-          </a:p>
-        </p:txBody>
-      </p:sp>
-      <p:sp>
-        <p:nvSpPr>
-          <p:cNvPr id="28" name="Rectangle 27"/>
-          <p:cNvSpPr/>
-          <p:nvPr/>
-        </p:nvSpPr>
-        <p:spPr>
-          <a:xfrm>
-            <a:off x="9656064" y="3442416"/>
-            <a:ext cx="2381504" cy="552629"/>
-          </a:xfrm>
-          <a:prstGeom prst="rect">
-            <a:avLst/>
-          </a:prstGeom>
-          <a:solidFill>
-            <a:schemeClr val="bg1">
-              <a:lumMod val="95000"/>
-            </a:schemeClr>
-          </a:solidFill>
-        </p:spPr>
-        <p:style>
-          <a:lnRef idx="2">
-            <a:schemeClr val="accent1">
-              <a:shade val="50000"/>
-            </a:schemeClr>
-          </a:lnRef>
-          <a:fillRef idx="1">
-            <a:schemeClr val="accent1"/>
-          </a:fillRef>
-          <a:effectRef idx="0">
-            <a:schemeClr val="accent1"/>
-          </a:effectRef>
-          <a:fontRef idx="minor">
-            <a:schemeClr val="lt1"/>
-          </a:fontRef>
-        </p:style>
-        <p:txBody>
-          <a:bodyPr rtlCol="0" anchor="ctr"/>
-          <a:lstStyle/>
-          <a:p>
-            <a:pPr algn="ctr"/>
-            <a:r>
-              <a:rPr lang="en-US" dirty="0" smtClean="0">
-                <a:solidFill>
-                  <a:schemeClr val="tx1"/>
-                </a:solidFill>
-              </a:rPr>
-              <a:t>Manual Set Lap Data</a:t>
-            </a:r>
-            <a:endParaRPr lang="en-US" dirty="0">
-              <a:solidFill>
-                <a:schemeClr val="tx1"/>
-              </a:solidFill>
-            </a:endParaRPr>
-          </a:p>
-        </p:txBody>
-      </p:sp>
-      <p:sp>
-        <p:nvSpPr>
-          <p:cNvPr id="29" name="Rectangle 28"/>
-          <p:cNvSpPr/>
-          <p:nvPr/>
-        </p:nvSpPr>
-        <p:spPr>
-          <a:xfrm>
-            <a:off x="9656064" y="182280"/>
-            <a:ext cx="2381504" cy="234896"/>
-          </a:xfrm>
-          <a:prstGeom prst="rect">
-            <a:avLst/>
-          </a:prstGeom>
-          <a:solidFill>
-            <a:schemeClr val="bg1">
-              <a:lumMod val="85000"/>
-            </a:schemeClr>
-          </a:solidFill>
-        </p:spPr>
-        <p:style>
-          <a:lnRef idx="2">
-            <a:schemeClr val="accent1">
-              <a:shade val="50000"/>
-            </a:schemeClr>
-          </a:lnRef>
-          <a:fillRef idx="1">
-            <a:schemeClr val="accent1"/>
-          </a:fillRef>
-          <a:effectRef idx="0">
-            <a:schemeClr val="accent1"/>
-          </a:effectRef>
-          <a:fontRef idx="minor">
-            <a:schemeClr val="lt1"/>
-          </a:fontRef>
-        </p:style>
-        <p:txBody>
-          <a:bodyPr rtlCol="0" anchor="ctr"/>
-          <a:lstStyle/>
-          <a:p>
-            <a:pPr algn="ctr"/>
-            <a:r>
-              <a:rPr lang="en-US" dirty="0" smtClean="0">
-                <a:solidFill>
-                  <a:schemeClr val="tx1"/>
-                </a:solidFill>
-              </a:rPr>
-              <a:t>Screen</a:t>
-            </a:r>
-            <a:endParaRPr lang="en-US" dirty="0">
-              <a:solidFill>
-                <a:schemeClr val="tx1"/>
-              </a:solidFill>
-            </a:endParaRPr>
-          </a:p>
-        </p:txBody>
-      </p:sp>
-      <p:sp>
-        <p:nvSpPr>
-          <p:cNvPr id="30" name="Rectangle 29"/>
-          <p:cNvSpPr/>
-          <p:nvPr/>
-        </p:nvSpPr>
-        <p:spPr>
-          <a:xfrm>
-            <a:off x="9656064" y="417176"/>
-            <a:ext cx="2381504" cy="552629"/>
-          </a:xfrm>
-          <a:prstGeom prst="rect">
-            <a:avLst/>
-          </a:prstGeom>
-          <a:solidFill>
-            <a:schemeClr val="bg1">
-              <a:lumMod val="95000"/>
-            </a:schemeClr>
-          </a:solidFill>
-        </p:spPr>
-        <p:style>
-          <a:lnRef idx="2">
-            <a:schemeClr val="accent1">
-              <a:shade val="50000"/>
-            </a:schemeClr>
-          </a:lnRef>
-          <a:fillRef idx="1">
-            <a:schemeClr val="accent1"/>
-          </a:fillRef>
-          <a:effectRef idx="0">
-            <a:schemeClr val="accent1"/>
-          </a:effectRef>
-          <a:fontRef idx="minor">
-            <a:schemeClr val="lt1"/>
-          </a:fontRef>
-        </p:style>
-        <p:txBody>
-          <a:bodyPr rtlCol="0" anchor="ctr"/>
-          <a:lstStyle/>
-          <a:p>
-            <a:pPr algn="ctr"/>
-            <a:r>
-              <a:rPr lang="en-US" dirty="0" smtClean="0">
-                <a:solidFill>
-                  <a:schemeClr val="tx1"/>
-                </a:solidFill>
-              </a:rPr>
-              <a:t>Send Custom Message</a:t>
-            </a:r>
-            <a:endParaRPr lang="en-US" dirty="0">
-              <a:solidFill>
-                <a:schemeClr val="tx1"/>
-              </a:solidFill>
-            </a:endParaRPr>
-          </a:p>
-        </p:txBody>
-      </p:sp>
-      <p:sp>
-        <p:nvSpPr>
-          <p:cNvPr id="31" name="Rectangle 30"/>
-          <p:cNvSpPr/>
-          <p:nvPr/>
-        </p:nvSpPr>
-        <p:spPr>
-          <a:xfrm>
-            <a:off x="9656064" y="969805"/>
-            <a:ext cx="2381504" cy="552629"/>
-          </a:xfrm>
-          <a:prstGeom prst="rect">
-            <a:avLst/>
-          </a:prstGeom>
-          <a:solidFill>
-            <a:schemeClr val="bg1">
-              <a:lumMod val="95000"/>
-            </a:schemeClr>
-          </a:solidFill>
-        </p:spPr>
-        <p:style>
-          <a:lnRef idx="2">
-            <a:schemeClr val="accent1">
-              <a:shade val="50000"/>
-            </a:schemeClr>
-          </a:lnRef>
-          <a:fillRef idx="1">
-            <a:schemeClr val="accent1"/>
-          </a:fillRef>
-          <a:effectRef idx="0">
-            <a:schemeClr val="accent1"/>
-          </a:effectRef>
-          <a:fontRef idx="minor">
-            <a:schemeClr val="lt1"/>
-          </a:fontRef>
-        </p:style>
-        <p:txBody>
-          <a:bodyPr rtlCol="0" anchor="ctr"/>
-          <a:lstStyle/>
-          <a:p>
-            <a:pPr algn="ctr"/>
-            <a:r>
-              <a:rPr lang="en-US" dirty="0" smtClean="0">
-                <a:solidFill>
-                  <a:schemeClr val="tx1"/>
-                </a:solidFill>
-              </a:rPr>
-              <a:t>Manual Set Lap Data</a:t>
-            </a:r>
-            <a:endParaRPr lang="en-US" dirty="0">
-              <a:solidFill>
-                <a:schemeClr val="tx1"/>
-              </a:solidFill>
-            </a:endParaRPr>
-          </a:p>
-        </p:txBody>
-      </p:sp>
-      <p:sp>
-        <p:nvSpPr>
-          <p:cNvPr id="34" name="Rectangle 33"/>
-          <p:cNvSpPr/>
-          <p:nvPr/>
-        </p:nvSpPr>
-        <p:spPr>
-          <a:xfrm>
-            <a:off x="4242017" y="1415573"/>
-            <a:ext cx="2381504" cy="972715"/>
-          </a:xfrm>
-          <a:prstGeom prst="rect">
-            <a:avLst/>
-          </a:prstGeom>
-          <a:solidFill>
-            <a:schemeClr val="bg1">
-              <a:lumMod val="95000"/>
-            </a:schemeClr>
-          </a:solidFill>
-        </p:spPr>
-        <p:style>
-          <a:lnRef idx="2">
-            <a:schemeClr val="accent1">
-              <a:shade val="50000"/>
-            </a:schemeClr>
-          </a:lnRef>
-          <a:fillRef idx="1">
-            <a:schemeClr val="accent1"/>
-          </a:fillRef>
-          <a:effectRef idx="0">
-            <a:schemeClr val="accent1"/>
-          </a:effectRef>
-          <a:fontRef idx="minor">
-            <a:schemeClr val="lt1"/>
-          </a:fontRef>
-        </p:style>
-        <p:txBody>
-          <a:bodyPr rtlCol="0" anchor="ctr"/>
-          <a:lstStyle/>
-          <a:p>
-            <a:r>
-              <a:rPr lang="en-US" dirty="0" smtClean="0">
-                <a:solidFill>
-                  <a:schemeClr val="tx1"/>
-                </a:solidFill>
-              </a:rPr>
-              <a:t>Time Differencing</a:t>
-            </a:r>
-          </a:p>
-          <a:p>
-            <a:pPr marL="285750" indent="-285750">
-              <a:buFont typeface="Arial" panose="020B0604020202020204" pitchFamily="34" charset="0"/>
-              <a:buChar char="•"/>
-            </a:pPr>
-            <a:r>
-              <a:rPr lang="en-US" dirty="0" smtClean="0">
-                <a:solidFill>
-                  <a:schemeClr val="tx1"/>
-                </a:solidFill>
-              </a:rPr>
-              <a:t>Previous Lap</a:t>
-            </a:r>
-          </a:p>
-          <a:p>
-            <a:pPr marL="285750" indent="-285750">
-              <a:buFont typeface="Arial" panose="020B0604020202020204" pitchFamily="34" charset="0"/>
-              <a:buChar char="•"/>
-            </a:pPr>
-            <a:r>
-              <a:rPr lang="en-US" dirty="0" smtClean="0">
-                <a:solidFill>
-                  <a:schemeClr val="tx1"/>
-                </a:solidFill>
-              </a:rPr>
-              <a:t>Best Lap</a:t>
-            </a:r>
-          </a:p>
-        </p:txBody>
-      </p:sp>
-    </p:spTree>
-    <p:extLst>
-      <p:ext uri="{BB962C8B-B14F-4D97-AF65-F5344CB8AC3E}">
-        <p14:creationId xmlns:p14="http://schemas.microsoft.com/office/powerpoint/2010/main" val="647853480"/>
-      </p:ext>
-    </p:extLst>
-  </p:cSld>
-  <p:clrMapOvr>
-    <a:masterClrMapping/>
-  </p:clrMapOvr>
-</p:sld>
-</file>
-
-<file path=ppt/slides/slide3.xml><?xml version="1.0" encoding="utf-8"?>
-<p:sld xmlns:a="http://schemas.openxmlformats.org/drawingml/2006/main" xmlns:r="http://schemas.openxmlformats.org/officeDocument/2006/relationships" xmlns:p="http://schemas.openxmlformats.org/presentationml/2006/main">
-  <p:cSld>
-    <p:spTree>
-      <p:nvGrpSpPr>
-        <p:cNvPr id="1" name=""/>
-        <p:cNvGrpSpPr/>
-        <p:nvPr/>
-      </p:nvGrpSpPr>
-      <p:grpSpPr>
-        <a:xfrm>
-          <a:off x="0" y="0"/>
-          <a:ext cx="0" cy="0"/>
-          <a:chOff x="0" y="0"/>
-          <a:chExt cx="0" cy="0"/>
-        </a:xfrm>
-      </p:grpSpPr>
-      <p:sp>
-        <p:nvSpPr>
-          <p:cNvPr id="5" name="Rectangle 4"/>
-          <p:cNvSpPr/>
-          <p:nvPr/>
-        </p:nvSpPr>
-        <p:spPr>
-          <a:xfrm>
-            <a:off x="9666948" y="2654891"/>
-            <a:ext cx="2381504" cy="234896"/>
-          </a:xfrm>
-          <a:prstGeom prst="rect">
-            <a:avLst/>
-          </a:prstGeom>
-          <a:solidFill>
-            <a:schemeClr val="bg1">
-              <a:lumMod val="85000"/>
-            </a:schemeClr>
-          </a:solidFill>
-        </p:spPr>
-        <p:style>
-          <a:lnRef idx="2">
-            <a:schemeClr val="accent1">
-              <a:shade val="50000"/>
-            </a:schemeClr>
-          </a:lnRef>
-          <a:fillRef idx="1">
-            <a:schemeClr val="accent1"/>
-          </a:fillRef>
-          <a:effectRef idx="0">
-            <a:schemeClr val="accent1"/>
-          </a:effectRef>
-          <a:fontRef idx="minor">
-            <a:schemeClr val="lt1"/>
-          </a:fontRef>
-        </p:style>
-        <p:txBody>
-          <a:bodyPr rtlCol="0" anchor="ctr"/>
-          <a:lstStyle/>
-          <a:p>
-            <a:pPr algn="ctr"/>
-            <a:r>
-              <a:rPr lang="en-US" dirty="0" smtClean="0">
-                <a:solidFill>
-                  <a:schemeClr val="tx1"/>
-                </a:solidFill>
-              </a:rPr>
-              <a:t>RPI</a:t>
-            </a:r>
-            <a:endParaRPr lang="en-US" dirty="0">
-              <a:solidFill>
-                <a:schemeClr val="tx1"/>
-              </a:solidFill>
-            </a:endParaRPr>
-          </a:p>
-        </p:txBody>
-      </p:sp>
-      <p:sp>
-        <p:nvSpPr>
-          <p:cNvPr id="6" name="Rectangle 5"/>
-          <p:cNvSpPr/>
-          <p:nvPr/>
-        </p:nvSpPr>
-        <p:spPr>
-          <a:xfrm>
-            <a:off x="191008" y="129856"/>
-            <a:ext cx="2381504" cy="287320"/>
-          </a:xfrm>
-          <a:prstGeom prst="rect">
-            <a:avLst/>
-          </a:prstGeom>
-          <a:solidFill>
-            <a:schemeClr val="bg1">
-              <a:lumMod val="85000"/>
-            </a:schemeClr>
-          </a:solidFill>
-        </p:spPr>
-        <p:style>
-          <a:lnRef idx="2">
-            <a:schemeClr val="accent1">
-              <a:shade val="50000"/>
-            </a:schemeClr>
-          </a:lnRef>
-          <a:fillRef idx="1">
-            <a:schemeClr val="accent1"/>
-          </a:fillRef>
-          <a:effectRef idx="0">
-            <a:schemeClr val="accent1"/>
-          </a:effectRef>
-          <a:fontRef idx="minor">
-            <a:schemeClr val="lt1"/>
-          </a:fontRef>
-        </p:style>
-        <p:txBody>
-          <a:bodyPr rtlCol="0" anchor="ctr"/>
-          <a:lstStyle/>
-          <a:p>
-            <a:pPr algn="ctr"/>
-            <a:r>
-              <a:rPr lang="en-US" dirty="0" smtClean="0">
-                <a:solidFill>
-                  <a:schemeClr val="tx1"/>
-                </a:solidFill>
-              </a:rPr>
-              <a:t>Race Time Scraper</a:t>
-            </a:r>
-            <a:endParaRPr lang="en-US" dirty="0">
-              <a:solidFill>
-                <a:schemeClr val="tx1"/>
-              </a:solidFill>
-            </a:endParaRPr>
-          </a:p>
-        </p:txBody>
-      </p:sp>
-      <p:sp>
-        <p:nvSpPr>
-          <p:cNvPr id="7" name="Rectangle 6"/>
-          <p:cNvSpPr/>
-          <p:nvPr/>
-        </p:nvSpPr>
-        <p:spPr>
-          <a:xfrm>
-            <a:off x="184658" y="2586883"/>
-            <a:ext cx="2381504" cy="313002"/>
-          </a:xfrm>
-          <a:prstGeom prst="rect">
-            <a:avLst/>
-          </a:prstGeom>
-          <a:solidFill>
-            <a:schemeClr val="bg1">
-              <a:lumMod val="85000"/>
-            </a:schemeClr>
-          </a:solidFill>
-        </p:spPr>
-        <p:style>
-          <a:lnRef idx="2">
-            <a:schemeClr val="accent1">
-              <a:shade val="50000"/>
-            </a:schemeClr>
-          </a:lnRef>
-          <a:fillRef idx="1">
-            <a:schemeClr val="accent1"/>
-          </a:fillRef>
-          <a:effectRef idx="0">
-            <a:schemeClr val="accent1"/>
-          </a:effectRef>
-          <a:fontRef idx="minor">
-            <a:schemeClr val="lt1"/>
-          </a:fontRef>
-        </p:style>
-        <p:txBody>
-          <a:bodyPr rtlCol="0" anchor="ctr"/>
-          <a:lstStyle/>
-          <a:p>
-            <a:pPr algn="ctr"/>
-            <a:r>
-              <a:rPr lang="en-US" dirty="0" smtClean="0">
-                <a:solidFill>
-                  <a:schemeClr val="tx1"/>
-                </a:solidFill>
-              </a:rPr>
-              <a:t>Team Commands</a:t>
-            </a:r>
-            <a:endParaRPr lang="en-US" dirty="0">
-              <a:solidFill>
-                <a:schemeClr val="tx1"/>
-              </a:solidFill>
-            </a:endParaRPr>
-          </a:p>
-        </p:txBody>
-      </p:sp>
-      <p:sp>
-        <p:nvSpPr>
-          <p:cNvPr id="8" name="Rectangle 7"/>
-          <p:cNvSpPr/>
-          <p:nvPr/>
-        </p:nvSpPr>
-        <p:spPr>
-          <a:xfrm>
-            <a:off x="184658" y="2899885"/>
-            <a:ext cx="2381504" cy="313002"/>
-          </a:xfrm>
-          <a:prstGeom prst="rect">
-            <a:avLst/>
-          </a:prstGeom>
-          <a:solidFill>
-            <a:schemeClr val="bg1">
-              <a:lumMod val="95000"/>
-            </a:schemeClr>
-          </a:solidFill>
-        </p:spPr>
-        <p:style>
-          <a:lnRef idx="2">
-            <a:schemeClr val="accent1">
-              <a:shade val="50000"/>
-            </a:schemeClr>
-          </a:lnRef>
-          <a:fillRef idx="1">
-            <a:schemeClr val="accent1"/>
-          </a:fillRef>
-          <a:effectRef idx="0">
-            <a:schemeClr val="accent1"/>
-          </a:effectRef>
-          <a:fontRef idx="minor">
-            <a:schemeClr val="lt1"/>
-          </a:fontRef>
-        </p:style>
-        <p:txBody>
-          <a:bodyPr rtlCol="0" anchor="ctr"/>
-          <a:lstStyle/>
-          <a:p>
-            <a:pPr algn="ctr"/>
-            <a:r>
-              <a:rPr lang="en-US" dirty="0" smtClean="0">
-                <a:solidFill>
-                  <a:schemeClr val="tx1"/>
-                </a:solidFill>
-              </a:rPr>
-              <a:t>Set Pit Flags</a:t>
-            </a:r>
-            <a:endParaRPr lang="en-US" dirty="0">
-              <a:solidFill>
-                <a:schemeClr val="tx1"/>
-              </a:solidFill>
-            </a:endParaRPr>
-          </a:p>
-        </p:txBody>
-      </p:sp>
-      <p:sp>
-        <p:nvSpPr>
-          <p:cNvPr id="9" name="Rectangle 8"/>
-          <p:cNvSpPr/>
-          <p:nvPr/>
-        </p:nvSpPr>
-        <p:spPr>
-          <a:xfrm>
-            <a:off x="184658" y="3212886"/>
-            <a:ext cx="2381504" cy="552629"/>
-          </a:xfrm>
-          <a:prstGeom prst="rect">
-            <a:avLst/>
-          </a:prstGeom>
-          <a:solidFill>
-            <a:schemeClr val="bg1">
-              <a:lumMod val="95000"/>
-            </a:schemeClr>
-          </a:solidFill>
-        </p:spPr>
-        <p:style>
-          <a:lnRef idx="2">
-            <a:schemeClr val="accent1">
-              <a:shade val="50000"/>
-            </a:schemeClr>
-          </a:lnRef>
-          <a:fillRef idx="1">
-            <a:schemeClr val="accent1"/>
-          </a:fillRef>
-          <a:effectRef idx="0">
-            <a:schemeClr val="accent1"/>
-          </a:effectRef>
-          <a:fontRef idx="minor">
-            <a:schemeClr val="lt1"/>
-          </a:fontRef>
-        </p:style>
-        <p:txBody>
-          <a:bodyPr rtlCol="0" anchor="ctr"/>
-          <a:lstStyle/>
-          <a:p>
-            <a:pPr algn="ctr"/>
-            <a:r>
-              <a:rPr lang="en-US" dirty="0" smtClean="0">
-                <a:solidFill>
-                  <a:schemeClr val="tx1"/>
-                </a:solidFill>
-              </a:rPr>
-              <a:t>Send Custom Message</a:t>
-            </a:r>
-            <a:endParaRPr lang="en-US" dirty="0">
-              <a:solidFill>
-                <a:schemeClr val="tx1"/>
-              </a:solidFill>
-            </a:endParaRPr>
-          </a:p>
-        </p:txBody>
-      </p:sp>
-      <p:sp>
-        <p:nvSpPr>
-          <p:cNvPr id="10" name="Rectangle 9"/>
-          <p:cNvSpPr/>
-          <p:nvPr/>
-        </p:nvSpPr>
-        <p:spPr>
-          <a:xfrm>
-            <a:off x="184658" y="3765515"/>
-            <a:ext cx="2381504" cy="552629"/>
-          </a:xfrm>
-          <a:prstGeom prst="rect">
-            <a:avLst/>
-          </a:prstGeom>
-          <a:solidFill>
-            <a:schemeClr val="bg1">
-              <a:lumMod val="95000"/>
-            </a:schemeClr>
-          </a:solidFill>
-        </p:spPr>
-        <p:style>
-          <a:lnRef idx="2">
-            <a:schemeClr val="accent1">
-              <a:shade val="50000"/>
-            </a:schemeClr>
-          </a:lnRef>
-          <a:fillRef idx="1">
-            <a:schemeClr val="accent1"/>
-          </a:fillRef>
-          <a:effectRef idx="0">
-            <a:schemeClr val="accent1"/>
-          </a:effectRef>
-          <a:fontRef idx="minor">
-            <a:schemeClr val="lt1"/>
-          </a:fontRef>
-        </p:style>
-        <p:txBody>
-          <a:bodyPr rtlCol="0" anchor="ctr"/>
-          <a:lstStyle/>
-          <a:p>
-            <a:pPr algn="ctr"/>
-            <a:r>
-              <a:rPr lang="en-US" dirty="0" smtClean="0">
-                <a:solidFill>
-                  <a:schemeClr val="tx1"/>
-                </a:solidFill>
-              </a:rPr>
-              <a:t>Manual Set Lap Data</a:t>
-            </a:r>
-            <a:endParaRPr lang="en-US" dirty="0">
-              <a:solidFill>
-                <a:schemeClr val="tx1"/>
-              </a:solidFill>
-            </a:endParaRPr>
-          </a:p>
-        </p:txBody>
-      </p:sp>
-      <p:sp>
-        <p:nvSpPr>
-          <p:cNvPr id="11" name="Rectangle 10"/>
-          <p:cNvSpPr/>
-          <p:nvPr/>
-        </p:nvSpPr>
-        <p:spPr>
-          <a:xfrm>
-            <a:off x="191008" y="417176"/>
-            <a:ext cx="2381504" cy="902207"/>
-          </a:xfrm>
-          <a:prstGeom prst="rect">
-            <a:avLst/>
-          </a:prstGeom>
-          <a:solidFill>
-            <a:schemeClr val="bg1">
-              <a:lumMod val="95000"/>
-            </a:schemeClr>
-          </a:solidFill>
-        </p:spPr>
-        <p:style>
-          <a:lnRef idx="2">
-            <a:schemeClr val="accent1">
-              <a:shade val="50000"/>
-            </a:schemeClr>
-          </a:lnRef>
-          <a:fillRef idx="1">
-            <a:schemeClr val="accent1"/>
-          </a:fillRef>
-          <a:effectRef idx="0">
-            <a:schemeClr val="accent1"/>
-          </a:effectRef>
-          <a:fontRef idx="minor">
-            <a:schemeClr val="lt1"/>
-          </a:fontRef>
-        </p:style>
-        <p:txBody>
-          <a:bodyPr rtlCol="0" anchor="ctr"/>
-          <a:lstStyle/>
-          <a:p>
-            <a:pPr algn="ctr"/>
-            <a:r>
-              <a:rPr lang="en-US" dirty="0" smtClean="0">
-                <a:solidFill>
-                  <a:schemeClr val="tx1"/>
-                </a:solidFill>
-              </a:rPr>
-              <a:t>Define Lap Data</a:t>
-            </a:r>
-          </a:p>
-          <a:p>
-            <a:pPr algn="ctr"/>
-            <a:r>
-              <a:rPr lang="en-US" dirty="0" smtClean="0">
-                <a:solidFill>
-                  <a:schemeClr val="tx1"/>
-                </a:solidFill>
-              </a:rPr>
-              <a:t>(Time, </a:t>
-            </a:r>
-            <a:r>
-              <a:rPr lang="en-US" dirty="0" err="1" smtClean="0">
-                <a:solidFill>
-                  <a:schemeClr val="tx1"/>
-                </a:solidFill>
-              </a:rPr>
-              <a:t>Pos</a:t>
-            </a:r>
-            <a:r>
-              <a:rPr lang="en-US" dirty="0" smtClean="0">
-                <a:solidFill>
-                  <a:schemeClr val="tx1"/>
-                </a:solidFill>
-              </a:rPr>
-              <a:t>, </a:t>
-            </a:r>
-            <a:r>
-              <a:rPr lang="en-US" dirty="0" smtClean="0">
-                <a:solidFill>
-                  <a:schemeClr val="tx1"/>
-                </a:solidFill>
-              </a:rPr>
-              <a:t>Laps, gaps)</a:t>
-            </a:r>
-            <a:endParaRPr lang="en-US" dirty="0" smtClean="0">
-              <a:solidFill>
-                <a:schemeClr val="tx1"/>
-              </a:solidFill>
-            </a:endParaRPr>
-          </a:p>
-          <a:p>
-            <a:pPr algn="ctr"/>
-            <a:r>
-              <a:rPr lang="en-US" dirty="0" smtClean="0">
-                <a:solidFill>
-                  <a:schemeClr val="tx1"/>
-                </a:solidFill>
-              </a:rPr>
-              <a:t>Self &amp; Opponent</a:t>
-            </a:r>
-            <a:endParaRPr lang="en-US" dirty="0">
-              <a:solidFill>
-                <a:schemeClr val="tx1"/>
-              </a:solidFill>
-            </a:endParaRPr>
-          </a:p>
-        </p:txBody>
-      </p:sp>
-      <p:sp>
-        <p:nvSpPr>
-          <p:cNvPr id="25" name="Rectangle 24"/>
-          <p:cNvSpPr/>
-          <p:nvPr/>
-        </p:nvSpPr>
-        <p:spPr>
-          <a:xfrm>
             <a:off x="4241110" y="674286"/>
-            <a:ext cx="2381504" cy="313002"/>
+            <a:ext cx="3640146" cy="313002"/>
           </a:xfrm>
           <a:prstGeom prst="rect">
             <a:avLst/>
@@ -5034,8 +3838,8 @@
         </p:nvSpPr>
         <p:spPr>
           <a:xfrm>
-            <a:off x="4241110" y="987288"/>
-            <a:ext cx="2381504" cy="1971112"/>
+            <a:off x="4241109" y="987288"/>
+            <a:ext cx="3640147" cy="1971112"/>
           </a:xfrm>
           <a:prstGeom prst="rect">
             <a:avLst/>
@@ -5066,14 +3870,6 @@
           <a:bodyPr rtlCol="0" anchor="ctr"/>
           <a:lstStyle/>
           <a:p>
-            <a:r>
-              <a:rPr lang="en-US" dirty="0" smtClean="0">
-                <a:solidFill>
-                  <a:schemeClr val="tx1"/>
-                </a:solidFill>
-              </a:rPr>
-              <a:t>Race Metric Processing</a:t>
-            </a:r>
             <a:endParaRPr lang="en-US" dirty="0" smtClean="0">
               <a:solidFill>
                 <a:schemeClr val="tx1"/>
@@ -5081,67 +3877,13 @@
             </a:endParaRPr>
           </a:p>
           <a:p>
-            <a:pPr marL="285750" indent="-285750">
-              <a:buFont typeface="Arial" panose="020B0604020202020204" pitchFamily="34" charset="0"/>
-              <a:buChar char="•"/>
-            </a:pPr>
             <a:r>
               <a:rPr lang="en-US" dirty="0" smtClean="0">
                 <a:solidFill>
                   <a:schemeClr val="tx1"/>
                 </a:solidFill>
               </a:rPr>
-              <a:t>Self History</a:t>
-            </a:r>
-          </a:p>
-          <a:p>
-            <a:pPr marL="285750" indent="-285750">
-              <a:buFont typeface="Arial" panose="020B0604020202020204" pitchFamily="34" charset="0"/>
-              <a:buChar char="•"/>
-            </a:pPr>
-            <a:r>
-              <a:rPr lang="en-US" dirty="0" smtClean="0">
-                <a:solidFill>
-                  <a:schemeClr val="tx1"/>
-                </a:solidFill>
-              </a:rPr>
-              <a:t>Opponent History</a:t>
-            </a:r>
-          </a:p>
-          <a:p>
-            <a:pPr marL="285750" indent="-285750">
-              <a:buFont typeface="Arial" panose="020B0604020202020204" pitchFamily="34" charset="0"/>
-              <a:buChar char="•"/>
-            </a:pPr>
-            <a:r>
-              <a:rPr lang="en-US" dirty="0" smtClean="0">
-                <a:solidFill>
-                  <a:schemeClr val="tx1"/>
-                </a:solidFill>
-              </a:rPr>
-              <a:t>Projections</a:t>
-            </a:r>
-            <a:r>
-              <a:rPr lang="en-US" dirty="0" smtClean="0">
-                <a:solidFill>
-                  <a:schemeClr val="tx1"/>
-                </a:solidFill>
-              </a:rPr>
-              <a:t> </a:t>
-            </a:r>
-          </a:p>
-          <a:p>
-            <a:pPr marL="285750" indent="-285750">
-              <a:buFont typeface="Arial" panose="020B0604020202020204" pitchFamily="34" charset="0"/>
-              <a:buChar char="•"/>
-            </a:pPr>
-            <a:r>
-              <a:rPr lang="en-US" dirty="0" smtClean="0">
-                <a:solidFill>
-                  <a:schemeClr val="tx1"/>
-                </a:solidFill>
-              </a:rPr>
-              <a:t>Bike Data per Lap</a:t>
+              <a:t>Race Metric Storage</a:t>
             </a:r>
             <a:endParaRPr lang="en-US" dirty="0" smtClean="0">
               <a:solidFill>
@@ -5149,6 +3891,118 @@
               </a:solidFill>
             </a:endParaRPr>
           </a:p>
+          <a:p>
+            <a:pPr marL="285750" indent="-285750">
+              <a:buFont typeface="Arial" panose="020B0604020202020204" pitchFamily="34" charset="0"/>
+              <a:buChar char="•"/>
+            </a:pPr>
+            <a:r>
+              <a:rPr lang="en-US" dirty="0" err="1" smtClean="0">
+                <a:solidFill>
+                  <a:schemeClr val="tx1"/>
+                </a:solidFill>
+              </a:rPr>
+              <a:t>Rpi</a:t>
+            </a:r>
+            <a:r>
+              <a:rPr lang="en-US" dirty="0" smtClean="0">
+                <a:solidFill>
+                  <a:schemeClr val="tx1"/>
+                </a:solidFill>
+              </a:rPr>
+              <a:t> Display Data</a:t>
+            </a:r>
+          </a:p>
+          <a:p>
+            <a:pPr marL="285750" indent="-285750">
+              <a:buFont typeface="Arial" panose="020B0604020202020204" pitchFamily="34" charset="0"/>
+              <a:buChar char="•"/>
+            </a:pPr>
+            <a:r>
+              <a:rPr lang="en-US" dirty="0" smtClean="0">
+                <a:solidFill>
+                  <a:schemeClr val="tx1"/>
+                </a:solidFill>
+              </a:rPr>
+              <a:t>Live Bike Data (rpm, </a:t>
+            </a:r>
+            <a:r>
+              <a:rPr lang="en-US" dirty="0" err="1" smtClean="0">
+                <a:solidFill>
+                  <a:schemeClr val="tx1"/>
+                </a:solidFill>
+              </a:rPr>
+              <a:t>etc</a:t>
+            </a:r>
+            <a:r>
+              <a:rPr lang="en-US" dirty="0" smtClean="0">
+                <a:solidFill>
+                  <a:schemeClr val="tx1"/>
+                </a:solidFill>
+              </a:rPr>
+              <a:t>)</a:t>
+            </a:r>
+            <a:endParaRPr lang="en-US" dirty="0" smtClean="0">
+              <a:solidFill>
+                <a:schemeClr val="tx1"/>
+              </a:solidFill>
+            </a:endParaRPr>
+          </a:p>
+          <a:p>
+            <a:pPr marL="285750" indent="-285750">
+              <a:buFont typeface="Arial" panose="020B0604020202020204" pitchFamily="34" charset="0"/>
+              <a:buChar char="•"/>
+            </a:pPr>
+            <a:r>
+              <a:rPr lang="en-US" dirty="0" smtClean="0">
+                <a:solidFill>
+                  <a:schemeClr val="tx1"/>
+                </a:solidFill>
+              </a:rPr>
+              <a:t>Race Data</a:t>
+            </a:r>
+          </a:p>
+          <a:p>
+            <a:pPr marL="285750" indent="-285750">
+              <a:buFont typeface="Arial" panose="020B0604020202020204" pitchFamily="34" charset="0"/>
+              <a:buChar char="•"/>
+            </a:pPr>
+            <a:r>
+              <a:rPr lang="en-US" dirty="0" smtClean="0">
+                <a:solidFill>
+                  <a:schemeClr val="tx1"/>
+                </a:solidFill>
+              </a:rPr>
+              <a:t>Projections</a:t>
+            </a:r>
+            <a:r>
+              <a:rPr lang="en-US" dirty="0" smtClean="0">
+                <a:solidFill>
+                  <a:schemeClr val="tx1"/>
+                </a:solidFill>
+              </a:rPr>
+              <a:t> </a:t>
+            </a:r>
+          </a:p>
+          <a:p>
+            <a:pPr marL="285750" indent="-285750">
+              <a:buFont typeface="Arial" panose="020B0604020202020204" pitchFamily="34" charset="0"/>
+              <a:buChar char="•"/>
+            </a:pPr>
+            <a:r>
+              <a:rPr lang="en-US" dirty="0" smtClean="0">
+                <a:solidFill>
+                  <a:schemeClr val="tx1"/>
+                </a:solidFill>
+              </a:rPr>
+              <a:t>Bike Data per Lap</a:t>
+            </a:r>
+            <a:endParaRPr lang="en-US" dirty="0" smtClean="0">
+              <a:solidFill>
+                <a:schemeClr val="tx1"/>
+              </a:solidFill>
+            </a:endParaRPr>
+          </a:p>
         </p:txBody>
       </p:sp>
       <p:sp>
@@ -5159,8 +4013,8 @@
         </p:nvSpPr>
         <p:spPr>
           <a:xfrm>
-            <a:off x="4247460" y="2958400"/>
-            <a:ext cx="2381504" cy="313002"/>
+            <a:off x="4247459" y="2958400"/>
+            <a:ext cx="3631981" cy="313002"/>
           </a:xfrm>
           <a:prstGeom prst="rect">
             <a:avLst/>
@@ -5216,8 +4070,8 @@
         </p:nvSpPr>
         <p:spPr>
           <a:xfrm>
-            <a:off x="4249275" y="3249350"/>
-            <a:ext cx="2381504" cy="1971112"/>
+            <a:off x="4249274" y="3249350"/>
+            <a:ext cx="3631981" cy="1971112"/>
           </a:xfrm>
           <a:prstGeom prst="rect">
             <a:avLst/>
@@ -5345,7 +4199,7 @@
         <p:spPr>
           <a:xfrm>
             <a:off x="2572512" y="868280"/>
-            <a:ext cx="1676763" cy="3366626"/>
+            <a:ext cx="1676762" cy="3366626"/>
           </a:xfrm>
           <a:prstGeom prst="bentConnector3">
             <a:avLst/>
@@ -5380,12 +4234,12 @@
         </p:nvCxnSpPr>
         <p:spPr>
           <a:xfrm rot="5400000" flipH="1" flipV="1">
-            <a:off x="2996421" y="3605800"/>
-            <a:ext cx="828943" cy="4058267"/>
+            <a:off x="3309040" y="3293181"/>
+            <a:ext cx="828943" cy="4683505"/>
           </a:xfrm>
           <a:prstGeom prst="bentConnector3">
             <a:avLst>
-              <a:gd name="adj1" fmla="val -62386"/>
+              <a:gd name="adj1" fmla="val -27577"/>
             </a:avLst>
           </a:prstGeom>
           <a:ln>
@@ -5418,8 +4272,8 @@
         </p:nvCxnSpPr>
         <p:spPr>
           <a:xfrm rot="10800000" flipV="1">
-            <a:off x="6630780" y="3166102"/>
-            <a:ext cx="3036169" cy="1068804"/>
+            <a:off x="7881256" y="3166102"/>
+            <a:ext cx="1785693" cy="1068804"/>
           </a:xfrm>
           <a:prstGeom prst="bentConnector3">
             <a:avLst/>
